--- a/CoolGymPPT.pptx
+++ b/CoolGymPPT.pptx
@@ -6,10 +6,10 @@
   </p:sldMasterIdLst>
   <p:sldIdLst>
     <p:sldId id="256" r:id="rId2"/>
-    <p:sldId id="257" r:id="rId3"/>
-    <p:sldId id="258" r:id="rId4"/>
-    <p:sldId id="259" r:id="rId5"/>
-    <p:sldId id="260" r:id="rId6"/>
+    <p:sldId id="262" r:id="rId3"/>
+    <p:sldId id="257" r:id="rId4"/>
+    <p:sldId id="260" r:id="rId5"/>
+    <p:sldId id="263" r:id="rId6"/>
     <p:sldId id="261" r:id="rId7"/>
   </p:sldIdLst>
   <p:sldSz cx="9144000" cy="6858000" type="screen4x3"/>
@@ -3117,7 +3117,11 @@
           <a:p>
             <a:r>
               <a:rPr kumimoji="1" lang="en-US" altLang="zh-CN" dirty="0" smtClean="0"/>
-              <a:t>Cool Gym</a:t>
+              <a:t>Cool </a:t>
+            </a:r>
+            <a:r>
+              <a:rPr kumimoji="1" lang="en-US" altLang="zh-CN" dirty="0" smtClean="0"/>
+              <a:t>Gym</a:t>
             </a:r>
             <a:endParaRPr kumimoji="1" lang="zh-CN" altLang="en-US" dirty="0"/>
           </a:p>
@@ -3138,6 +3142,10 @@
           <a:bodyPr/>
           <a:lstStyle/>
           <a:p>
+            <a:r>
+              <a:rPr kumimoji="1" lang="zh-CN" altLang="en-US" dirty="0" smtClean="0"/>
+              <a:t>云创新</a:t>
+            </a:r>
             <a:endParaRPr kumimoji="1" lang="zh-CN" altLang="en-US" dirty="0"/>
           </a:p>
         </p:txBody>
@@ -3188,32 +3196,137 @@
           <a:lstStyle/>
           <a:p>
             <a:r>
+              <a:rPr kumimoji="1" lang="en-US" altLang="zh-CN" dirty="0" smtClean="0"/>
+              <a:t>Cool Gym</a:t>
+            </a:r>
+            <a:r>
               <a:rPr kumimoji="1" lang="zh-CN" altLang="en-US" dirty="0" smtClean="0"/>
-              <a:t>为什么要有</a:t>
+              <a:t>是什么？</a:t>
+            </a:r>
+            <a:endParaRPr kumimoji="1" lang="zh-CN" altLang="en-US" dirty="0"/>
+          </a:p>
+        </p:txBody>
+      </p:sp>
+      <p:sp>
+        <p:nvSpPr>
+          <p:cNvPr id="3" name="内容占位符 2"/>
+          <p:cNvSpPr>
+            <a:spLocks noGrp="1"/>
+          </p:cNvSpPr>
+          <p:nvPr>
+            <p:ph idx="1"/>
+          </p:nvPr>
+        </p:nvSpPr>
+        <p:spPr/>
+        <p:txBody>
+          <a:bodyPr/>
+          <a:lstStyle/>
+          <a:p>
+            <a:r>
+              <a:rPr kumimoji="1" lang="en-US" altLang="zh-CN" dirty="0" smtClean="0">
+                <a:hlinkClick r:id="rId2"/>
+              </a:rPr>
+              <a:t>Cool Gym</a:t>
+            </a:r>
+            <a:r>
+              <a:rPr kumimoji="1" lang="en-US" altLang="zh-CN" dirty="0" smtClean="0"/>
+              <a:t>,</a:t>
+            </a:r>
+            <a:r>
+              <a:rPr kumimoji="1" lang="zh-CN" altLang="en-US" dirty="0" smtClean="0"/>
+              <a:t>它是</a:t>
+            </a:r>
+            <a:r>
+              <a:rPr kumimoji="1" lang="zh-CN" altLang="en-US" dirty="0" smtClean="0">
+                <a:hlinkClick r:id="rId3"/>
+              </a:rPr>
+              <a:t>云创新</a:t>
+            </a:r>
+            <a:r>
+              <a:rPr kumimoji="1" lang="en-US" altLang="zh-CN" dirty="0" smtClean="0"/>
+              <a:t>4</a:t>
+            </a:r>
+            <a:r>
+              <a:rPr kumimoji="1" lang="zh-CN" altLang="en-US" dirty="0" smtClean="0"/>
+              <a:t>月分推出的一个软硬结合的产品，产品运用体感技术，通过蓝牙</a:t>
+            </a:r>
+            <a:r>
+              <a:rPr kumimoji="1" lang="en-US" altLang="zh-CN" dirty="0" smtClean="0"/>
+              <a:t>4.0</a:t>
+            </a:r>
+            <a:r>
+              <a:rPr kumimoji="1" lang="zh-CN" altLang="en-US" dirty="0" smtClean="0"/>
+              <a:t>与手机上的体感舞等系列软实时通讯，实现了一个类似于跳舞毯的功能。</a:t>
+            </a:r>
+            <a:r>
+              <a:rPr kumimoji="1" lang="en-US" altLang="zh-CN" dirty="0" smtClean="0">
+                <a:hlinkClick r:id="rId3"/>
+              </a:rPr>
+              <a:t>Cool Gym</a:t>
+            </a:r>
+            <a:r>
+              <a:rPr kumimoji="1" lang="zh-CN" altLang="en-US" dirty="0" smtClean="0">
+                <a:hlinkClick r:id="rId3"/>
+              </a:rPr>
+              <a:t> </a:t>
+            </a:r>
+            <a:r>
+              <a:rPr kumimoji="1" lang="en-US" altLang="zh-CN" dirty="0" smtClean="0">
+                <a:hlinkClick r:id="rId3"/>
+              </a:rPr>
+              <a:t>SDK</a:t>
+            </a:r>
+            <a:r>
+              <a:rPr kumimoji="1" lang="zh-CN" altLang="en-US" dirty="0" smtClean="0"/>
+              <a:t>便是产品中，软件从硬件（小</a:t>
             </a:r>
             <a:r>
               <a:rPr kumimoji="1" lang="en-US" altLang="zh-CN" dirty="0" err="1" smtClean="0"/>
-              <a:t>CoolGym</a:t>
-            </a:r>
-            <a:endParaRPr kumimoji="1" lang="zh-CN" altLang="en-US" dirty="0"/>
-          </a:p>
-        </p:txBody>
-      </p:sp>
-      <p:sp>
-        <p:nvSpPr>
-          <p:cNvPr id="3" name="内容占位符 2"/>
-          <p:cNvSpPr>
-            <a:spLocks noGrp="1"/>
-          </p:cNvSpPr>
-          <p:nvPr>
-            <p:ph idx="1"/>
-          </p:nvPr>
-        </p:nvSpPr>
-        <p:spPr/>
-        <p:txBody>
-          <a:bodyPr/>
-          <a:lstStyle/>
-          <a:p>
+              <a:t>Gi</a:t>
+            </a:r>
+            <a:r>
+              <a:rPr kumimoji="1" lang="zh-CN" altLang="en-US" dirty="0" smtClean="0"/>
+              <a:t>）获取体感数据的模块。</a:t>
+            </a:r>
+            <a:endParaRPr kumimoji="1" lang="en-US" altLang="zh-CN" dirty="0" smtClean="0"/>
+          </a:p>
+          <a:p>
+            <a:r>
+              <a:rPr kumimoji="1" lang="zh-CN" altLang="en-US" dirty="0" smtClean="0"/>
+              <a:t>图：</a:t>
+            </a:r>
+            <a:r>
+              <a:rPr kumimoji="1" lang="zh-CN" altLang="en-US" dirty="0" smtClean="0">
+                <a:hlinkClick r:id="rId4" action="ppaction://hlinksldjump"/>
+              </a:rPr>
+              <a:t>小</a:t>
+            </a:r>
+            <a:r>
+              <a:rPr kumimoji="1" lang="en-US" altLang="zh-CN" dirty="0" err="1" smtClean="0">
+                <a:hlinkClick r:id="rId4" action="ppaction://hlinksldjump"/>
+              </a:rPr>
+              <a:t>Gi</a:t>
+            </a:r>
+            <a:r>
+              <a:rPr kumimoji="1" lang="en-US" altLang="zh-CN" dirty="0" smtClean="0"/>
+              <a:t>—</a:t>
+            </a:r>
+            <a:r>
+              <a:rPr kumimoji="1" lang="en-US" altLang="zh-CN" dirty="0" smtClean="0">
+                <a:hlinkClick r:id="rId5" action="ppaction://hlinksldjump"/>
+              </a:rPr>
+              <a:t>Cool Gym SDK</a:t>
+            </a:r>
+            <a:r>
+              <a:rPr kumimoji="1" lang="en-US" altLang="zh-CN" dirty="0" smtClean="0"/>
+              <a:t>—</a:t>
+            </a:r>
+            <a:r>
+              <a:rPr kumimoji="1" lang="zh-CN" altLang="en-US" dirty="0" smtClean="0">
+                <a:hlinkClick r:id="rId3"/>
+              </a:rPr>
+              <a:t>软件</a:t>
+            </a:r>
             <a:endParaRPr kumimoji="1" lang="zh-CN" altLang="en-US" dirty="0"/>
           </a:p>
         </p:txBody>
@@ -3221,7 +3334,7 @@
     </p:spTree>
     <p:extLst>
       <p:ext uri="{BB962C8B-B14F-4D97-AF65-F5344CB8AC3E}">
-        <p14:creationId xmlns:p14="http://schemas.microsoft.com/office/powerpoint/2010/main" val="662320874"/>
+        <p14:creationId xmlns:p14="http://schemas.microsoft.com/office/powerpoint/2010/main" val="2185202000"/>
       </p:ext>
     </p:extLst>
   </p:cSld>
@@ -3264,12 +3377,20 @@
           <a:lstStyle/>
           <a:p>
             <a:r>
-              <a:rPr kumimoji="1" lang="en-US" altLang="zh-CN" dirty="0" err="1" smtClean="0"/>
-              <a:t>CoolGym</a:t>
+              <a:rPr kumimoji="1" lang="en-US" altLang="zh-CN" dirty="0" smtClean="0"/>
+              <a:t>Cool</a:t>
             </a:r>
             <a:r>
               <a:rPr kumimoji="1" lang="zh-CN" altLang="en-US" dirty="0" smtClean="0"/>
-              <a:t>的功能</a:t>
+              <a:t> </a:t>
+            </a:r>
+            <a:r>
+              <a:rPr kumimoji="1" lang="en-US" altLang="zh-CN" dirty="0" smtClean="0"/>
+              <a:t>Gym</a:t>
+            </a:r>
+            <a:r>
+              <a:rPr kumimoji="1" lang="zh-CN" altLang="en-US" dirty="0" smtClean="0"/>
+              <a:t>的适用范围</a:t>
             </a:r>
             <a:endParaRPr kumimoji="1" lang="zh-CN" altLang="en-US" dirty="0"/>
           </a:p>
@@ -3290,14 +3411,35 @@
           <a:bodyPr/>
           <a:lstStyle/>
           <a:p>
-            <a:endParaRPr kumimoji="1" lang="zh-CN" altLang="en-US"/>
+            <a:r>
+              <a:rPr kumimoji="1" lang="zh-CN" altLang="en-US" dirty="0" smtClean="0"/>
+              <a:t>可适配能过上下左右控制的游戏，让游戏变成体感游戏。</a:t>
+            </a:r>
+            <a:endParaRPr kumimoji="1" lang="en-US" altLang="zh-CN" dirty="0" smtClean="0"/>
+          </a:p>
+          <a:p>
+            <a:r>
+              <a:rPr kumimoji="1" lang="zh-CN" altLang="en-US" dirty="0" smtClean="0"/>
+              <a:t>动作监听，监听指定的动作，给出即时提醒。</a:t>
+            </a:r>
+            <a:endParaRPr kumimoji="1" lang="en-US" altLang="zh-CN" dirty="0" smtClean="0"/>
+          </a:p>
+          <a:p>
+            <a:r>
+              <a:rPr kumimoji="1" lang="zh-CN" altLang="en-US" dirty="0" smtClean="0"/>
+              <a:t>动作记录，比如记录你的动作的动作，分析动作的质量。</a:t>
+            </a:r>
+            <a:endParaRPr kumimoji="1" lang="en-US" altLang="zh-CN" dirty="0" smtClean="0"/>
+          </a:p>
+          <a:p>
+            <a:endParaRPr kumimoji="1" lang="zh-CN" altLang="en-US" dirty="0"/>
           </a:p>
         </p:txBody>
       </p:sp>
     </p:spTree>
     <p:extLst>
       <p:ext uri="{BB962C8B-B14F-4D97-AF65-F5344CB8AC3E}">
-        <p14:creationId xmlns:p14="http://schemas.microsoft.com/office/powerpoint/2010/main" val="190029284"/>
+        <p14:creationId xmlns:p14="http://schemas.microsoft.com/office/powerpoint/2010/main" val="662320874"/>
       </p:ext>
     </p:extLst>
   </p:cSld>
@@ -3340,12 +3482,20 @@
           <a:lstStyle/>
           <a:p>
             <a:r>
+              <a:rPr kumimoji="1" lang="zh-CN" altLang="en-US" dirty="0" smtClean="0"/>
+              <a:t>小</a:t>
+            </a:r>
+            <a:r>
               <a:rPr kumimoji="1" lang="en-US" altLang="zh-CN" dirty="0" err="1" smtClean="0"/>
-              <a:t>CoolGym</a:t>
+              <a:t>Gi</a:t>
             </a:r>
             <a:r>
               <a:rPr kumimoji="1" lang="zh-CN" altLang="en-US" dirty="0" smtClean="0"/>
-              <a:t>的适用范围</a:t>
+              <a:t>的可靠</a:t>
+            </a:r>
+            <a:r>
+              <a:rPr kumimoji="1" lang="zh-CN" altLang="en-US" dirty="0" smtClean="0"/>
+              <a:t>性</a:t>
             </a:r>
             <a:endParaRPr kumimoji="1" lang="zh-CN" altLang="en-US" dirty="0"/>
           </a:p>
@@ -3366,6 +3516,89 @@
           <a:bodyPr/>
           <a:lstStyle/>
           <a:p>
+            <a:r>
+              <a:rPr kumimoji="1" lang="zh-CN" altLang="en-US" dirty="0" smtClean="0"/>
+              <a:t>数据精度：</a:t>
+            </a:r>
+            <a:endParaRPr kumimoji="1" lang="en-US" altLang="zh-CN" dirty="0" smtClean="0"/>
+          </a:p>
+          <a:p>
+            <a:r>
+              <a:rPr kumimoji="1" lang="zh-CN" altLang="en-US" dirty="0" smtClean="0"/>
+              <a:t>工作频率稳定：在设定距离内，信号的强弱不影响工作频率，无数据丢失。</a:t>
+            </a:r>
+            <a:endParaRPr kumimoji="1" lang="en-US" altLang="zh-CN" dirty="0" smtClean="0"/>
+          </a:p>
+          <a:p>
+            <a:r>
+              <a:rPr kumimoji="1" lang="zh-CN" altLang="en-US" dirty="0" smtClean="0"/>
+              <a:t>工作频率</a:t>
+            </a:r>
+            <a:r>
+              <a:rPr kumimoji="1" lang="zh-CN" altLang="en-US" dirty="0" smtClean="0"/>
+              <a:t>可设定：</a:t>
+            </a:r>
+            <a:r>
+              <a:rPr kumimoji="1" lang="en-US" altLang="zh-CN" dirty="0" smtClean="0"/>
+              <a:t>50Hz</a:t>
+            </a:r>
+            <a:r>
+              <a:rPr kumimoji="1" lang="zh-CN" altLang="en-US" dirty="0" smtClean="0"/>
+              <a:t>内可自己设定，选择合适的工作频率。</a:t>
+            </a:r>
+            <a:endParaRPr kumimoji="1" lang="en-US" altLang="zh-CN" dirty="0" smtClean="0"/>
+          </a:p>
+          <a:p>
+            <a:r>
+              <a:rPr kumimoji="1" lang="zh-CN" altLang="en-US" dirty="0" smtClean="0"/>
+              <a:t>连续</a:t>
+            </a:r>
+            <a:r>
+              <a:rPr kumimoji="1" lang="zh-CN" altLang="en-US" dirty="0" smtClean="0"/>
+              <a:t>工作时长：</a:t>
+            </a:r>
+            <a:r>
+              <a:rPr kumimoji="1" lang="en-US" altLang="zh-CN" dirty="0" smtClean="0"/>
+              <a:t>9</a:t>
+            </a:r>
+            <a:r>
+              <a:rPr kumimoji="1" lang="zh-CN" altLang="en-US" dirty="0" smtClean="0"/>
+              <a:t>小时</a:t>
+            </a:r>
+            <a:endParaRPr kumimoji="1" lang="en-US" altLang="zh-CN" dirty="0" smtClean="0"/>
+          </a:p>
+          <a:p>
+            <a:r>
+              <a:rPr kumimoji="1" lang="zh-CN" altLang="en-US" dirty="0" smtClean="0"/>
+              <a:t>待机时长，可充电：</a:t>
+            </a:r>
+            <a:r>
+              <a:rPr kumimoji="1" lang="en-US" altLang="zh-CN" dirty="0" smtClean="0">
+                <a:solidFill>
+                  <a:srgbClr val="FF0000"/>
+                </a:solidFill>
+              </a:rPr>
+              <a:t>1</a:t>
+            </a:r>
+            <a:r>
+              <a:rPr kumimoji="1" lang="zh-CN" altLang="en-US" dirty="0" smtClean="0">
+                <a:solidFill>
+                  <a:srgbClr val="FF0000"/>
+                </a:solidFill>
+              </a:rPr>
+              <a:t>个月？</a:t>
+            </a:r>
+            <a:endParaRPr kumimoji="1" lang="en-US" altLang="zh-CN" dirty="0" smtClean="0">
+              <a:solidFill>
+                <a:srgbClr val="FF0000"/>
+              </a:solidFill>
+            </a:endParaRPr>
+          </a:p>
+          <a:p>
+            <a:r>
+              <a:rPr kumimoji="1" lang="zh-CN" altLang="en-US" dirty="0" smtClean="0"/>
+              <a:t>指标灯提示不同状态</a:t>
+            </a:r>
             <a:endParaRPr kumimoji="1" lang="zh-CN" altLang="en-US" dirty="0"/>
           </a:p>
         </p:txBody>
@@ -3373,7 +3606,7 @@
     </p:spTree>
     <p:extLst>
       <p:ext uri="{BB962C8B-B14F-4D97-AF65-F5344CB8AC3E}">
-        <p14:creationId xmlns:p14="http://schemas.microsoft.com/office/powerpoint/2010/main" val="3787202537"/>
+        <p14:creationId xmlns:p14="http://schemas.microsoft.com/office/powerpoint/2010/main" val="2927685090"/>
       </p:ext>
     </p:extLst>
   </p:cSld>
@@ -3416,40 +3649,144 @@
           <a:lstStyle/>
           <a:p>
             <a:r>
+              <a:rPr kumimoji="1" lang="en-US" altLang="zh-CN" dirty="0" smtClean="0"/>
+              <a:t>Cool Gym</a:t>
+            </a:r>
+            <a:r>
+              <a:rPr kumimoji="1" lang="en-US" altLang="zh-CN" dirty="0"/>
+              <a:t> </a:t>
+            </a:r>
+            <a:r>
+              <a:rPr kumimoji="1" lang="en-US" altLang="zh-CN" dirty="0" smtClean="0"/>
+              <a:t>SDK</a:t>
+            </a:r>
+            <a:r>
+              <a:rPr kumimoji="1" lang="zh-CN" altLang="en-US" dirty="0" smtClean="0"/>
+              <a:t>能做什么？</a:t>
+            </a:r>
+            <a:endParaRPr kumimoji="1" lang="zh-CN" altLang="en-US" dirty="0"/>
+          </a:p>
+        </p:txBody>
+      </p:sp>
+      <p:sp>
+        <p:nvSpPr>
+          <p:cNvPr id="3" name="内容占位符 2"/>
+          <p:cNvSpPr>
+            <a:spLocks noGrp="1"/>
+          </p:cNvSpPr>
+          <p:nvPr>
+            <p:ph idx="1"/>
+          </p:nvPr>
+        </p:nvSpPr>
+        <p:spPr/>
+        <p:txBody>
+          <a:bodyPr>
+            <a:normAutofit lnSpcReduction="10000"/>
+          </a:bodyPr>
+          <a:lstStyle/>
+          <a:p>
+            <a:r>
+              <a:rPr kumimoji="1" lang="zh-CN" altLang="en-US" dirty="0" smtClean="0"/>
+              <a:t>设置小</a:t>
+            </a:r>
+            <a:r>
               <a:rPr kumimoji="1" lang="en-US" altLang="zh-CN" dirty="0" err="1" smtClean="0"/>
-              <a:t>CoolGym</a:t>
+              <a:t>Gi</a:t>
             </a:r>
             <a:r>
               <a:rPr kumimoji="1" lang="zh-CN" altLang="en-US" dirty="0" smtClean="0"/>
-              <a:t>的可靠性</a:t>
-            </a:r>
-            <a:endParaRPr kumimoji="1" lang="zh-CN" altLang="en-US" dirty="0"/>
-          </a:p>
-        </p:txBody>
-      </p:sp>
-      <p:sp>
-        <p:nvSpPr>
-          <p:cNvPr id="3" name="内容占位符 2"/>
-          <p:cNvSpPr>
-            <a:spLocks noGrp="1"/>
-          </p:cNvSpPr>
-          <p:nvPr>
-            <p:ph idx="1"/>
-          </p:nvPr>
-        </p:nvSpPr>
-        <p:spPr/>
-        <p:txBody>
-          <a:bodyPr/>
-          <a:lstStyle/>
-          <a:p>
-            <a:endParaRPr kumimoji="1" lang="zh-CN" altLang="en-US"/>
+              <a:t>的工作频率。</a:t>
+            </a:r>
+            <a:endParaRPr kumimoji="1" lang="en-US" altLang="zh-CN" dirty="0" smtClean="0"/>
+          </a:p>
+          <a:p>
+            <a:r>
+              <a:rPr kumimoji="1" lang="zh-CN" altLang="en-US" dirty="0" smtClean="0"/>
+              <a:t>设置小</a:t>
+            </a:r>
+            <a:r>
+              <a:rPr kumimoji="1" lang="en-US" altLang="zh-CN" dirty="0" err="1" smtClean="0"/>
+              <a:t>Gi</a:t>
+            </a:r>
+            <a:r>
+              <a:rPr kumimoji="1" lang="zh-CN" altLang="en-US" dirty="0" smtClean="0"/>
+              <a:t>的天线发功率。</a:t>
+            </a:r>
+            <a:endParaRPr kumimoji="1" lang="en-US" altLang="zh-CN" dirty="0" smtClean="0"/>
+          </a:p>
+          <a:p>
+            <a:r>
+              <a:rPr kumimoji="1" lang="zh-CN" altLang="en-US" dirty="0" smtClean="0"/>
+              <a:t>获取小</a:t>
+            </a:r>
+            <a:r>
+              <a:rPr kumimoji="1" lang="en-US" altLang="zh-CN" dirty="0" err="1" smtClean="0"/>
+              <a:t>Gi</a:t>
+            </a:r>
+            <a:r>
+              <a:rPr kumimoji="1" lang="zh-CN" altLang="en-US" dirty="0" smtClean="0"/>
+              <a:t>的传感器数据（加速度计</a:t>
+            </a:r>
+            <a:r>
+              <a:rPr kumimoji="1" lang="zh-CN" altLang="en-US" dirty="0"/>
+              <a:t>、</a:t>
+            </a:r>
+            <a:r>
+              <a:rPr kumimoji="1" lang="zh-CN" altLang="en-US" dirty="0" smtClean="0"/>
+              <a:t>陀螺仪、磁力计）。</a:t>
+            </a:r>
+            <a:endParaRPr kumimoji="1" lang="en-US" altLang="zh-CN" dirty="0" smtClean="0"/>
+          </a:p>
+          <a:p>
+            <a:r>
+              <a:rPr kumimoji="1" lang="zh-CN" altLang="en-US" dirty="0" smtClean="0"/>
+              <a:t>获取小</a:t>
+            </a:r>
+            <a:r>
+              <a:rPr kumimoji="1" lang="en-US" altLang="zh-CN" dirty="0" err="1" smtClean="0"/>
+              <a:t>Gi</a:t>
+            </a:r>
+            <a:r>
+              <a:rPr kumimoji="1" lang="zh-CN" altLang="en-US" dirty="0" smtClean="0"/>
+              <a:t>的电压。</a:t>
+            </a:r>
+            <a:endParaRPr kumimoji="1" lang="en-US" altLang="zh-CN" dirty="0" smtClean="0"/>
+          </a:p>
+          <a:p>
+            <a:r>
+              <a:rPr kumimoji="1" lang="zh-CN" altLang="en-US" dirty="0" smtClean="0"/>
+              <a:t>获取小</a:t>
+            </a:r>
+            <a:r>
+              <a:rPr kumimoji="1" lang="en-US" altLang="zh-CN" dirty="0" err="1" smtClean="0"/>
+              <a:t>Gi</a:t>
+            </a:r>
+            <a:r>
+              <a:rPr kumimoji="1" lang="zh-CN" altLang="en-US" dirty="0" smtClean="0"/>
+              <a:t>的版本号。</a:t>
+            </a:r>
+            <a:endParaRPr kumimoji="1" lang="en-US" altLang="zh-CN" dirty="0" smtClean="0"/>
+          </a:p>
+          <a:p>
+            <a:r>
+              <a:rPr kumimoji="1" lang="zh-CN" altLang="en-US" dirty="0" smtClean="0"/>
+              <a:t>校准磁力计的数据。</a:t>
+            </a:r>
+            <a:endParaRPr kumimoji="1" lang="en-US" altLang="zh-CN" dirty="0" smtClean="0"/>
+          </a:p>
+          <a:p>
+            <a:r>
+              <a:rPr kumimoji="1" lang="zh-CN" altLang="en-US" dirty="0" smtClean="0"/>
+              <a:t>连接、暂停、开始。</a:t>
+            </a:r>
+            <a:endParaRPr kumimoji="1" lang="en-US" altLang="zh-CN" dirty="0" smtClean="0"/>
           </a:p>
         </p:txBody>
       </p:sp>
     </p:spTree>
     <p:extLst>
       <p:ext uri="{BB962C8B-B14F-4D97-AF65-F5344CB8AC3E}">
-        <p14:creationId xmlns:p14="http://schemas.microsoft.com/office/powerpoint/2010/main" val="2927685090"/>
+        <p14:creationId xmlns:p14="http://schemas.microsoft.com/office/powerpoint/2010/main" val="3764704705"/>
       </p:ext>
     </p:extLst>
   </p:cSld>

--- a/CoolGymPPT.pptx
+++ b/CoolGymPPT.pptx
@@ -2,15 +2,15 @@
 <file path=ppt/presentation.xml><?xml version="1.0" encoding="utf-8"?>
 <p:presentation xmlns:a="http://schemas.openxmlformats.org/drawingml/2006/main" xmlns:r="http://schemas.openxmlformats.org/officeDocument/2006/relationships" xmlns:p="http://schemas.openxmlformats.org/presentationml/2006/main" saveSubsetFonts="1" autoCompressPictures="0">
   <p:sldMasterIdLst>
-    <p:sldMasterId id="2147483648" r:id="rId1"/>
+    <p:sldMasterId id="2147483698" r:id="rId1"/>
   </p:sldMasterIdLst>
   <p:sldIdLst>
     <p:sldId id="256" r:id="rId2"/>
     <p:sldId id="262" r:id="rId3"/>
     <p:sldId id="257" r:id="rId4"/>
-    <p:sldId id="260" r:id="rId5"/>
-    <p:sldId id="263" r:id="rId6"/>
-    <p:sldId id="261" r:id="rId7"/>
+    <p:sldId id="265" r:id="rId5"/>
+    <p:sldId id="260" r:id="rId6"/>
+    <p:sldId id="263" r:id="rId7"/>
   </p:sldIdLst>
   <p:sldSz cx="9144000" cy="6858000" type="screen4x3"/>
   <p:notesSz cx="6858000" cy="9144000"/>
@@ -344,7 +344,7 @@
     </p:spTree>
     <p:extLst>
       <p:ext uri="{BB962C8B-B14F-4D97-AF65-F5344CB8AC3E}">
-        <p14:creationId xmlns:p14="http://schemas.microsoft.com/office/powerpoint/2010/main" val="3391251032"/>
+        <p14:creationId xmlns:p14="http://schemas.microsoft.com/office/powerpoint/2010/main" val="1291310651"/>
       </p:ext>
     </p:extLst>
   </p:cSld>
@@ -514,7 +514,7 @@
     </p:spTree>
     <p:extLst>
       <p:ext uri="{BB962C8B-B14F-4D97-AF65-F5344CB8AC3E}">
-        <p14:creationId xmlns:p14="http://schemas.microsoft.com/office/powerpoint/2010/main" val="4252601315"/>
+        <p14:creationId xmlns:p14="http://schemas.microsoft.com/office/powerpoint/2010/main" val="856311179"/>
       </p:ext>
     </p:extLst>
   </p:cSld>
@@ -694,7 +694,7 @@
     </p:spTree>
     <p:extLst>
       <p:ext uri="{BB962C8B-B14F-4D97-AF65-F5344CB8AC3E}">
-        <p14:creationId xmlns:p14="http://schemas.microsoft.com/office/powerpoint/2010/main" val="2419816633"/>
+        <p14:creationId xmlns:p14="http://schemas.microsoft.com/office/powerpoint/2010/main" val="2659799597"/>
       </p:ext>
     </p:extLst>
   </p:cSld>
@@ -864,7 +864,7 @@
     </p:spTree>
     <p:extLst>
       <p:ext uri="{BB962C8B-B14F-4D97-AF65-F5344CB8AC3E}">
-        <p14:creationId xmlns:p14="http://schemas.microsoft.com/office/powerpoint/2010/main" val="4081251960"/>
+        <p14:creationId xmlns:p14="http://schemas.microsoft.com/office/powerpoint/2010/main" val="93815391"/>
       </p:ext>
     </p:extLst>
   </p:cSld>
@@ -1110,7 +1110,7 @@
     </p:spTree>
     <p:extLst>
       <p:ext uri="{BB962C8B-B14F-4D97-AF65-F5344CB8AC3E}">
-        <p14:creationId xmlns:p14="http://schemas.microsoft.com/office/powerpoint/2010/main" val="4115923354"/>
+        <p14:creationId xmlns:p14="http://schemas.microsoft.com/office/powerpoint/2010/main" val="2944675736"/>
       </p:ext>
     </p:extLst>
   </p:cSld>
@@ -1398,7 +1398,7 @@
     </p:spTree>
     <p:extLst>
       <p:ext uri="{BB962C8B-B14F-4D97-AF65-F5344CB8AC3E}">
-        <p14:creationId xmlns:p14="http://schemas.microsoft.com/office/powerpoint/2010/main" val="1467145414"/>
+        <p14:creationId xmlns:p14="http://schemas.microsoft.com/office/powerpoint/2010/main" val="3940150705"/>
       </p:ext>
     </p:extLst>
   </p:cSld>
@@ -1820,7 +1820,7 @@
     </p:spTree>
     <p:extLst>
       <p:ext uri="{BB962C8B-B14F-4D97-AF65-F5344CB8AC3E}">
-        <p14:creationId xmlns:p14="http://schemas.microsoft.com/office/powerpoint/2010/main" val="622993716"/>
+        <p14:creationId xmlns:p14="http://schemas.microsoft.com/office/powerpoint/2010/main" val="517082594"/>
       </p:ext>
     </p:extLst>
   </p:cSld>
@@ -1938,7 +1938,7 @@
     </p:spTree>
     <p:extLst>
       <p:ext uri="{BB962C8B-B14F-4D97-AF65-F5344CB8AC3E}">
-        <p14:creationId xmlns:p14="http://schemas.microsoft.com/office/powerpoint/2010/main" val="2923877991"/>
+        <p14:creationId xmlns:p14="http://schemas.microsoft.com/office/powerpoint/2010/main" val="1701016004"/>
       </p:ext>
     </p:extLst>
   </p:cSld>
@@ -2033,7 +2033,7 @@
     </p:spTree>
     <p:extLst>
       <p:ext uri="{BB962C8B-B14F-4D97-AF65-F5344CB8AC3E}">
-        <p14:creationId xmlns:p14="http://schemas.microsoft.com/office/powerpoint/2010/main" val="406337747"/>
+        <p14:creationId xmlns:p14="http://schemas.microsoft.com/office/powerpoint/2010/main" val="1764318826"/>
       </p:ext>
     </p:extLst>
   </p:cSld>
@@ -2310,7 +2310,7 @@
     </p:spTree>
     <p:extLst>
       <p:ext uri="{BB962C8B-B14F-4D97-AF65-F5344CB8AC3E}">
-        <p14:creationId xmlns:p14="http://schemas.microsoft.com/office/powerpoint/2010/main" val="507329656"/>
+        <p14:creationId xmlns:p14="http://schemas.microsoft.com/office/powerpoint/2010/main" val="1179648446"/>
       </p:ext>
     </p:extLst>
   </p:cSld>
@@ -2563,7 +2563,7 @@
     </p:spTree>
     <p:extLst>
       <p:ext uri="{BB962C8B-B14F-4D97-AF65-F5344CB8AC3E}">
-        <p14:creationId xmlns:p14="http://schemas.microsoft.com/office/powerpoint/2010/main" val="2762809257"/>
+        <p14:creationId xmlns:p14="http://schemas.microsoft.com/office/powerpoint/2010/main" val="3865680758"/>
       </p:ext>
     </p:extLst>
   </p:cSld>
@@ -2812,23 +2812,23 @@
     </p:spTree>
     <p:extLst>
       <p:ext uri="{BB962C8B-B14F-4D97-AF65-F5344CB8AC3E}">
-        <p14:creationId xmlns:p14="http://schemas.microsoft.com/office/powerpoint/2010/main" val="3391015364"/>
+        <p14:creationId xmlns:p14="http://schemas.microsoft.com/office/powerpoint/2010/main" val="1927421314"/>
       </p:ext>
     </p:extLst>
   </p:cSld>
   <p:clrMap bg1="lt1" tx1="dk1" bg2="lt2" tx2="dk2" accent1="accent1" accent2="accent2" accent3="accent3" accent4="accent4" accent5="accent5" accent6="accent6" hlink="hlink" folHlink="folHlink"/>
   <p:sldLayoutIdLst>
-    <p:sldLayoutId id="2147483649" r:id="rId1"/>
-    <p:sldLayoutId id="2147483650" r:id="rId2"/>
-    <p:sldLayoutId id="2147483651" r:id="rId3"/>
-    <p:sldLayoutId id="2147483652" r:id="rId4"/>
-    <p:sldLayoutId id="2147483653" r:id="rId5"/>
-    <p:sldLayoutId id="2147483654" r:id="rId6"/>
-    <p:sldLayoutId id="2147483655" r:id="rId7"/>
-    <p:sldLayoutId id="2147483656" r:id="rId8"/>
-    <p:sldLayoutId id="2147483657" r:id="rId9"/>
-    <p:sldLayoutId id="2147483658" r:id="rId10"/>
-    <p:sldLayoutId id="2147483659" r:id="rId11"/>
+    <p:sldLayoutId id="2147483699" r:id="rId1"/>
+    <p:sldLayoutId id="2147483700" r:id="rId2"/>
+    <p:sldLayoutId id="2147483701" r:id="rId3"/>
+    <p:sldLayoutId id="2147483702" r:id="rId4"/>
+    <p:sldLayoutId id="2147483703" r:id="rId5"/>
+    <p:sldLayoutId id="2147483704" r:id="rId6"/>
+    <p:sldLayoutId id="2147483705" r:id="rId7"/>
+    <p:sldLayoutId id="2147483706" r:id="rId8"/>
+    <p:sldLayoutId id="2147483707" r:id="rId9"/>
+    <p:sldLayoutId id="2147483708" r:id="rId10"/>
+    <p:sldLayoutId id="2147483709" r:id="rId11"/>
   </p:sldLayoutIdLst>
   <p:txStyles>
     <p:titleStyle>
@@ -3117,11 +3117,7 @@
           <a:p>
             <a:r>
               <a:rPr kumimoji="1" lang="en-US" altLang="zh-CN" dirty="0" smtClean="0"/>
-              <a:t>Cool </a:t>
-            </a:r>
-            <a:r>
-              <a:rPr kumimoji="1" lang="en-US" altLang="zh-CN" dirty="0" smtClean="0"/>
-              <a:t>Gym</a:t>
+              <a:t>Cool Gym</a:t>
             </a:r>
             <a:endParaRPr kumimoji="1" lang="zh-CN" altLang="en-US" dirty="0"/>
           </a:p>
@@ -3160,6 +3156,13 @@
   <p:clrMapOvr>
     <a:masterClrMapping/>
   </p:clrMapOvr>
+  <p:timing>
+    <p:tnLst>
+      <p:par>
+        <p:cTn xmlns:p14="http://schemas.microsoft.com/office/powerpoint/2010/main" id="1" dur="indefinite" restart="never" nodeType="tmRoot"/>
+      </p:par>
+    </p:tnLst>
+  </p:timing>
 </p:sld>
 </file>
 
@@ -3217,7 +3220,12 @@
             <p:ph idx="1"/>
           </p:nvPr>
         </p:nvSpPr>
-        <p:spPr/>
+        <p:spPr>
+          <a:xfrm>
+            <a:off x="670181" y="1600200"/>
+            <a:ext cx="8229600" cy="4525963"/>
+          </a:xfrm>
+        </p:spPr>
         <p:txBody>
           <a:bodyPr/>
           <a:lstStyle/>
@@ -3260,19 +3268,19 @@
             </a:r>
             <a:r>
               <a:rPr kumimoji="1" lang="en-US" altLang="zh-CN" dirty="0" smtClean="0">
-                <a:hlinkClick r:id="rId3"/>
+                <a:hlinkClick r:id="rId4"/>
               </a:rPr>
               <a:t>Cool Gym</a:t>
             </a:r>
             <a:r>
               <a:rPr kumimoji="1" lang="zh-CN" altLang="en-US" dirty="0" smtClean="0">
-                <a:hlinkClick r:id="rId3"/>
+                <a:hlinkClick r:id="rId4"/>
               </a:rPr>
               <a:t> </a:t>
             </a:r>
             <a:r>
               <a:rPr kumimoji="1" lang="en-US" altLang="zh-CN" dirty="0" smtClean="0">
-                <a:hlinkClick r:id="rId3"/>
+                <a:hlinkClick r:id="rId4"/>
               </a:rPr>
               <a:t>SDK</a:t>
             </a:r>
@@ -3297,13 +3305,13 @@
             </a:r>
             <a:r>
               <a:rPr kumimoji="1" lang="zh-CN" altLang="en-US" dirty="0" smtClean="0">
-                <a:hlinkClick r:id="rId4" action="ppaction://hlinksldjump"/>
+                <a:hlinkClick r:id="rId5" action="ppaction://hlinksldjump"/>
               </a:rPr>
               <a:t>小</a:t>
             </a:r>
             <a:r>
               <a:rPr kumimoji="1" lang="en-US" altLang="zh-CN" dirty="0" err="1" smtClean="0">
-                <a:hlinkClick r:id="rId4" action="ppaction://hlinksldjump"/>
+                <a:hlinkClick r:id="rId5" action="ppaction://hlinksldjump"/>
               </a:rPr>
               <a:t>Gi</a:t>
             </a:r>
@@ -3313,7 +3321,7 @@
             </a:r>
             <a:r>
               <a:rPr kumimoji="1" lang="en-US" altLang="zh-CN" dirty="0" smtClean="0">
-                <a:hlinkClick r:id="rId5" action="ppaction://hlinksldjump"/>
+                <a:hlinkClick r:id="rId6" action="ppaction://hlinksldjump"/>
               </a:rPr>
               <a:t>Cool Gym SDK</a:t>
             </a:r>
@@ -3331,6 +3339,36 @@
           </a:p>
         </p:txBody>
       </p:sp>
+      <p:pic>
+        <p:nvPicPr>
+          <p:cNvPr id="4" name="图片 3" descr="project_photos-files-000-066-331-66331-large.png"/>
+          <p:cNvPicPr>
+            <a:picLocks noChangeAspect="1"/>
+          </p:cNvPicPr>
+          <p:nvPr/>
+        </p:nvPicPr>
+        <p:blipFill>
+          <a:blip r:embed="rId7">
+            <a:extLst>
+              <a:ext uri="{28A0092B-C50C-407E-A947-70E740481C1C}">
+                <a14:useLocalDpi xmlns:a14="http://schemas.microsoft.com/office/drawing/2010/main" val="0"/>
+              </a:ext>
+            </a:extLst>
+          </a:blip>
+          <a:stretch>
+            <a:fillRect/>
+          </a:stretch>
+        </p:blipFill>
+        <p:spPr>
+          <a:xfrm>
+            <a:off x="652577" y="1490988"/>
+            <a:ext cx="8034223" cy="4876800"/>
+          </a:xfrm>
+          <a:prstGeom prst="rect">
+            <a:avLst/>
+          </a:prstGeom>
+        </p:spPr>
+      </p:pic>
     </p:spTree>
     <p:extLst>
       <p:ext uri="{BB962C8B-B14F-4D97-AF65-F5344CB8AC3E}">
@@ -3341,6 +3379,214 @@
   <p:clrMapOvr>
     <a:masterClrMapping/>
   </p:clrMapOvr>
+  <p:timing>
+    <p:tnLst>
+      <p:par>
+        <p:cTn xmlns:p14="http://schemas.microsoft.com/office/powerpoint/2010/main" id="1" dur="indefinite" restart="never" nodeType="tmRoot">
+          <p:childTnLst>
+            <p:seq concurrent="1" nextAc="seek">
+              <p:cTn id="2" dur="indefinite" nodeType="mainSeq">
+                <p:childTnLst>
+                  <p:par>
+                    <p:cTn id="3" fill="hold">
+                      <p:stCondLst>
+                        <p:cond delay="indefinite"/>
+                      </p:stCondLst>
+                      <p:childTnLst>
+                        <p:par>
+                          <p:cTn id="4" fill="hold">
+                            <p:stCondLst>
+                              <p:cond delay="0"/>
+                            </p:stCondLst>
+                            <p:childTnLst>
+                              <p:par>
+                                <p:cTn id="5" presetID="3" presetClass="entr" presetSubtype="10" fill="hold" grpId="0" nodeType="clickEffect">
+                                  <p:stCondLst>
+                                    <p:cond delay="0"/>
+                                  </p:stCondLst>
+                                  <p:childTnLst>
+                                    <p:set>
+                                      <p:cBhvr>
+                                        <p:cTn id="6" dur="1" fill="hold">
+                                          <p:stCondLst>
+                                            <p:cond delay="0"/>
+                                          </p:stCondLst>
+                                        </p:cTn>
+                                        <p:tgtEl>
+                                          <p:spTgt spid="3">
+                                            <p:txEl>
+                                              <p:pRg st="0" end="0"/>
+                                            </p:txEl>
+                                          </p:spTgt>
+                                        </p:tgtEl>
+                                        <p:attrNameLst>
+                                          <p:attrName>style.visibility</p:attrName>
+                                        </p:attrNameLst>
+                                      </p:cBhvr>
+                                      <p:to>
+                                        <p:strVal val="visible"/>
+                                      </p:to>
+                                    </p:set>
+                                    <p:animEffect transition="in" filter="blinds(horizontal)">
+                                      <p:cBhvr>
+                                        <p:cTn id="7" dur="500"/>
+                                        <p:tgtEl>
+                                          <p:spTgt spid="3">
+                                            <p:txEl>
+                                              <p:pRg st="0" end="0"/>
+                                            </p:txEl>
+                                          </p:spTgt>
+                                        </p:tgtEl>
+                                      </p:cBhvr>
+                                    </p:animEffect>
+                                  </p:childTnLst>
+                                </p:cTn>
+                              </p:par>
+                            </p:childTnLst>
+                          </p:cTn>
+                        </p:par>
+                      </p:childTnLst>
+                    </p:cTn>
+                  </p:par>
+                  <p:par>
+                    <p:cTn id="8" fill="hold">
+                      <p:stCondLst>
+                        <p:cond delay="indefinite"/>
+                      </p:stCondLst>
+                      <p:childTnLst>
+                        <p:par>
+                          <p:cTn id="9" fill="hold">
+                            <p:stCondLst>
+                              <p:cond delay="0"/>
+                            </p:stCondLst>
+                            <p:childTnLst>
+                              <p:par>
+                                <p:cTn id="10" presetID="3" presetClass="entr" presetSubtype="10" fill="hold" grpId="0" nodeType="clickEffect">
+                                  <p:stCondLst>
+                                    <p:cond delay="0"/>
+                                  </p:stCondLst>
+                                  <p:childTnLst>
+                                    <p:set>
+                                      <p:cBhvr>
+                                        <p:cTn id="11" dur="1" fill="hold">
+                                          <p:stCondLst>
+                                            <p:cond delay="0"/>
+                                          </p:stCondLst>
+                                        </p:cTn>
+                                        <p:tgtEl>
+                                          <p:spTgt spid="3">
+                                            <p:txEl>
+                                              <p:pRg st="1" end="1"/>
+                                            </p:txEl>
+                                          </p:spTgt>
+                                        </p:tgtEl>
+                                        <p:attrNameLst>
+                                          <p:attrName>style.visibility</p:attrName>
+                                        </p:attrNameLst>
+                                      </p:cBhvr>
+                                      <p:to>
+                                        <p:strVal val="visible"/>
+                                      </p:to>
+                                    </p:set>
+                                    <p:animEffect transition="in" filter="blinds(horizontal)">
+                                      <p:cBhvr>
+                                        <p:cTn id="12" dur="500"/>
+                                        <p:tgtEl>
+                                          <p:spTgt spid="3">
+                                            <p:txEl>
+                                              <p:pRg st="1" end="1"/>
+                                            </p:txEl>
+                                          </p:spTgt>
+                                        </p:tgtEl>
+                                      </p:cBhvr>
+                                    </p:animEffect>
+                                  </p:childTnLst>
+                                </p:cTn>
+                              </p:par>
+                            </p:childTnLst>
+                          </p:cTn>
+                        </p:par>
+                      </p:childTnLst>
+                    </p:cTn>
+                  </p:par>
+                  <p:par>
+                    <p:cTn id="13" fill="hold">
+                      <p:stCondLst>
+                        <p:cond delay="indefinite"/>
+                      </p:stCondLst>
+                      <p:childTnLst>
+                        <p:par>
+                          <p:cTn id="14" fill="hold">
+                            <p:stCondLst>
+                              <p:cond delay="0"/>
+                            </p:stCondLst>
+                            <p:childTnLst>
+                              <p:par>
+                                <p:cTn id="15" presetID="3" presetClass="entr" presetSubtype="10" fill="hold" nodeType="clickEffect">
+                                  <p:stCondLst>
+                                    <p:cond delay="0"/>
+                                  </p:stCondLst>
+                                  <p:childTnLst>
+                                    <p:set>
+                                      <p:cBhvr>
+                                        <p:cTn id="16" dur="1" fill="hold">
+                                          <p:stCondLst>
+                                            <p:cond delay="0"/>
+                                          </p:stCondLst>
+                                        </p:cTn>
+                                        <p:tgtEl>
+                                          <p:spTgt spid="4"/>
+                                        </p:tgtEl>
+                                        <p:attrNameLst>
+                                          <p:attrName>style.visibility</p:attrName>
+                                        </p:attrNameLst>
+                                      </p:cBhvr>
+                                      <p:to>
+                                        <p:strVal val="visible"/>
+                                      </p:to>
+                                    </p:set>
+                                    <p:animEffect transition="in" filter="blinds(horizontal)">
+                                      <p:cBhvr>
+                                        <p:cTn id="17" dur="500"/>
+                                        <p:tgtEl>
+                                          <p:spTgt spid="4"/>
+                                        </p:tgtEl>
+                                      </p:cBhvr>
+                                    </p:animEffect>
+                                  </p:childTnLst>
+                                </p:cTn>
+                              </p:par>
+                            </p:childTnLst>
+                          </p:cTn>
+                        </p:par>
+                      </p:childTnLst>
+                    </p:cTn>
+                  </p:par>
+                </p:childTnLst>
+              </p:cTn>
+              <p:prevCondLst>
+                <p:cond evt="onPrev" delay="0">
+                  <p:tgtEl>
+                    <p:sldTgt/>
+                  </p:tgtEl>
+                </p:cond>
+              </p:prevCondLst>
+              <p:nextCondLst>
+                <p:cond evt="onNext" delay="0">
+                  <p:tgtEl>
+                    <p:sldTgt/>
+                  </p:tgtEl>
+                </p:cond>
+              </p:nextCondLst>
+            </p:seq>
+          </p:childTnLst>
+        </p:cTn>
+      </p:par>
+    </p:tnLst>
+    <p:bldLst>
+      <p:bldP spid="3" grpId="0" build="p"/>
+    </p:bldLst>
+  </p:timing>
 </p:sld>
 </file>
 
@@ -3361,6 +3607,36 @@
           <a:chExt cx="0" cy="0"/>
         </a:xfrm>
       </p:grpSpPr>
+      <p:pic>
+        <p:nvPicPr>
+          <p:cNvPr id="5" name="图片 4" descr="project_photos-files-000-065-772-65772-large.png"/>
+          <p:cNvPicPr>
+            <a:picLocks noChangeAspect="1"/>
+          </p:cNvPicPr>
+          <p:nvPr/>
+        </p:nvPicPr>
+        <p:blipFill>
+          <a:blip r:embed="rId2">
+            <a:extLst>
+              <a:ext uri="{28A0092B-C50C-407E-A947-70E740481C1C}">
+                <a14:useLocalDpi xmlns:a14="http://schemas.microsoft.com/office/drawing/2010/main" val="0"/>
+              </a:ext>
+            </a:extLst>
+          </a:blip>
+          <a:stretch>
+            <a:fillRect/>
+          </a:stretch>
+        </p:blipFill>
+        <p:spPr>
+          <a:xfrm>
+            <a:off x="721641" y="1417638"/>
+            <a:ext cx="7493000" cy="4876800"/>
+          </a:xfrm>
+          <a:prstGeom prst="rect">
+            <a:avLst/>
+          </a:prstGeom>
+        </p:spPr>
+      </p:pic>
       <p:sp>
         <p:nvSpPr>
           <p:cNvPr id="2" name="标题 1"/>
@@ -3398,6 +3674,39 @@
       </p:sp>
       <p:sp>
         <p:nvSpPr>
+          <p:cNvPr id="6" name="文本框 5"/>
+          <p:cNvSpPr txBox="1"/>
+          <p:nvPr/>
+        </p:nvSpPr>
+        <p:spPr>
+          <a:xfrm>
+            <a:off x="721641" y="1417638"/>
+            <a:ext cx="7493000" cy="646331"/>
+          </a:xfrm>
+          <a:prstGeom prst="rect">
+            <a:avLst/>
+          </a:prstGeom>
+          <a:noFill/>
+        </p:spPr>
+        <p:txBody>
+          <a:bodyPr wrap="square" rtlCol="0">
+            <a:spAutoFit/>
+          </a:bodyPr>
+          <a:lstStyle/>
+          <a:p>
+            <a:r>
+              <a:rPr kumimoji="1" lang="zh-CN" altLang="en-US" dirty="0" smtClean="0"/>
+              <a:t>。</a:t>
+            </a:r>
+            <a:endParaRPr kumimoji="1" lang="en-US" altLang="zh-CN" dirty="0"/>
+          </a:p>
+          <a:p>
+            <a:endParaRPr kumimoji="1" lang="zh-CN" altLang="en-US" dirty="0"/>
+          </a:p>
+        </p:txBody>
+      </p:sp>
+      <p:sp>
+        <p:nvSpPr>
           <p:cNvPr id="3" name="内容占位符 2"/>
           <p:cNvSpPr>
             <a:spLocks noGrp="1"/>
@@ -3406,29 +3715,224 @@
             <p:ph idx="1"/>
           </p:nvPr>
         </p:nvSpPr>
-        <p:spPr/>
-        <p:txBody>
-          <a:bodyPr/>
+        <p:spPr>
+          <a:xfrm>
+            <a:off x="721641" y="5019024"/>
+            <a:ext cx="8229600" cy="1053459"/>
+          </a:xfrm>
+          <a:solidFill>
+            <a:schemeClr val="bg1"/>
+          </a:solidFill>
+        </p:spPr>
+        <p:txBody>
+          <a:bodyPr>
+            <a:normAutofit lnSpcReduction="10000"/>
+          </a:bodyPr>
           <a:lstStyle/>
           <a:p>
             <a:r>
               <a:rPr kumimoji="1" lang="zh-CN" altLang="en-US" dirty="0" smtClean="0"/>
-              <a:t>可适配能过上下左右控制的游戏，让游戏变成体感游戏。</a:t>
+              <a:t>可适配能过</a:t>
+            </a:r>
+            <a:r>
+              <a:rPr kumimoji="1" lang="zh-CN" altLang="en-US" dirty="0" smtClean="0"/>
+              <a:t>上下左右控制的游戏，</a:t>
+            </a:r>
+            <a:r>
+              <a:rPr kumimoji="1" lang="zh-CN" altLang="en-US" dirty="0" smtClean="0"/>
+              <a:t>让游戏变成体感游戏</a:t>
+            </a:r>
+            <a:r>
+              <a:rPr kumimoji="1" lang="zh-CN" altLang="zh-CN" dirty="0" smtClean="0"/>
+              <a:t>。</a:t>
             </a:r>
             <a:endParaRPr kumimoji="1" lang="en-US" altLang="zh-CN" dirty="0" smtClean="0"/>
           </a:p>
           <a:p>
+            <a:endParaRPr kumimoji="1" lang="zh-CN" altLang="en-US" dirty="0"/>
+          </a:p>
+        </p:txBody>
+      </p:sp>
+      <p:sp>
+        <p:nvSpPr>
+          <p:cNvPr id="7" name="内容占位符 2"/>
+          <p:cNvSpPr txBox="1">
+            <a:spLocks/>
+          </p:cNvSpPr>
+          <p:nvPr/>
+        </p:nvSpPr>
+        <p:spPr>
+          <a:xfrm>
+            <a:off x="609600" y="1417638"/>
+            <a:ext cx="8229600" cy="4654845"/>
+          </a:xfrm>
+          <a:prstGeom prst="rect">
+            <a:avLst/>
+          </a:prstGeom>
+          <a:solidFill>
+            <a:schemeClr val="bg1"/>
+          </a:solidFill>
+        </p:spPr>
+        <p:txBody>
+          <a:bodyPr vert="horz" lIns="91440" tIns="45720" rIns="91440" bIns="45720" rtlCol="0">
+            <a:normAutofit/>
+          </a:bodyPr>
+          <a:lstStyle>
+            <a:lvl1pPr marL="342900" indent="-342900" algn="l" defTabSz="457200" rtl="0" eaLnBrk="1" latinLnBrk="0" hangingPunct="1">
+              <a:spcBef>
+                <a:spcPct val="20000"/>
+              </a:spcBef>
+              <a:buFont typeface="Arial"/>
+              <a:buChar char="•"/>
+              <a:defRPr sz="3200" kern="1200">
+                <a:solidFill>
+                  <a:schemeClr val="tx1"/>
+                </a:solidFill>
+                <a:latin typeface="+mn-lt"/>
+                <a:ea typeface="+mn-ea"/>
+                <a:cs typeface="+mn-cs"/>
+              </a:defRPr>
+            </a:lvl1pPr>
+            <a:lvl2pPr marL="742950" indent="-285750" algn="l" defTabSz="457200" rtl="0" eaLnBrk="1" latinLnBrk="0" hangingPunct="1">
+              <a:spcBef>
+                <a:spcPct val="20000"/>
+              </a:spcBef>
+              <a:buFont typeface="Arial"/>
+              <a:buChar char="–"/>
+              <a:defRPr sz="2800" kern="1200">
+                <a:solidFill>
+                  <a:schemeClr val="tx1"/>
+                </a:solidFill>
+                <a:latin typeface="+mn-lt"/>
+                <a:ea typeface="+mn-ea"/>
+                <a:cs typeface="+mn-cs"/>
+              </a:defRPr>
+            </a:lvl2pPr>
+            <a:lvl3pPr marL="1143000" indent="-228600" algn="l" defTabSz="457200" rtl="0" eaLnBrk="1" latinLnBrk="0" hangingPunct="1">
+              <a:spcBef>
+                <a:spcPct val="20000"/>
+              </a:spcBef>
+              <a:buFont typeface="Arial"/>
+              <a:buChar char="•"/>
+              <a:defRPr sz="2400" kern="1200">
+                <a:solidFill>
+                  <a:schemeClr val="tx1"/>
+                </a:solidFill>
+                <a:latin typeface="+mn-lt"/>
+                <a:ea typeface="+mn-ea"/>
+                <a:cs typeface="+mn-cs"/>
+              </a:defRPr>
+            </a:lvl3pPr>
+            <a:lvl4pPr marL="1600200" indent="-228600" algn="l" defTabSz="457200" rtl="0" eaLnBrk="1" latinLnBrk="0" hangingPunct="1">
+              <a:spcBef>
+                <a:spcPct val="20000"/>
+              </a:spcBef>
+              <a:buFont typeface="Arial"/>
+              <a:buChar char="–"/>
+              <a:defRPr sz="2000" kern="1200">
+                <a:solidFill>
+                  <a:schemeClr val="tx1"/>
+                </a:solidFill>
+                <a:latin typeface="+mn-lt"/>
+                <a:ea typeface="+mn-ea"/>
+                <a:cs typeface="+mn-cs"/>
+              </a:defRPr>
+            </a:lvl4pPr>
+            <a:lvl5pPr marL="2057400" indent="-228600" algn="l" defTabSz="457200" rtl="0" eaLnBrk="1" latinLnBrk="0" hangingPunct="1">
+              <a:spcBef>
+                <a:spcPct val="20000"/>
+              </a:spcBef>
+              <a:buFont typeface="Arial"/>
+              <a:buChar char="»"/>
+              <a:defRPr sz="2000" kern="1200">
+                <a:solidFill>
+                  <a:schemeClr val="tx1"/>
+                </a:solidFill>
+                <a:latin typeface="+mn-lt"/>
+                <a:ea typeface="+mn-ea"/>
+                <a:cs typeface="+mn-cs"/>
+              </a:defRPr>
+            </a:lvl5pPr>
+            <a:lvl6pPr marL="2514600" indent="-228600" algn="l" defTabSz="457200" rtl="0" eaLnBrk="1" latinLnBrk="0" hangingPunct="1">
+              <a:spcBef>
+                <a:spcPct val="20000"/>
+              </a:spcBef>
+              <a:buFont typeface="Arial"/>
+              <a:buChar char="•"/>
+              <a:defRPr sz="2000" kern="1200">
+                <a:solidFill>
+                  <a:schemeClr val="tx1"/>
+                </a:solidFill>
+                <a:latin typeface="+mn-lt"/>
+                <a:ea typeface="+mn-ea"/>
+                <a:cs typeface="+mn-cs"/>
+              </a:defRPr>
+            </a:lvl6pPr>
+            <a:lvl7pPr marL="2971800" indent="-228600" algn="l" defTabSz="457200" rtl="0" eaLnBrk="1" latinLnBrk="0" hangingPunct="1">
+              <a:spcBef>
+                <a:spcPct val="20000"/>
+              </a:spcBef>
+              <a:buFont typeface="Arial"/>
+              <a:buChar char="•"/>
+              <a:defRPr sz="2000" kern="1200">
+                <a:solidFill>
+                  <a:schemeClr val="tx1"/>
+                </a:solidFill>
+                <a:latin typeface="+mn-lt"/>
+                <a:ea typeface="+mn-ea"/>
+                <a:cs typeface="+mn-cs"/>
+              </a:defRPr>
+            </a:lvl7pPr>
+            <a:lvl8pPr marL="3429000" indent="-228600" algn="l" defTabSz="457200" rtl="0" eaLnBrk="1" latinLnBrk="0" hangingPunct="1">
+              <a:spcBef>
+                <a:spcPct val="20000"/>
+              </a:spcBef>
+              <a:buFont typeface="Arial"/>
+              <a:buChar char="•"/>
+              <a:defRPr sz="2000" kern="1200">
+                <a:solidFill>
+                  <a:schemeClr val="tx1"/>
+                </a:solidFill>
+                <a:latin typeface="+mn-lt"/>
+                <a:ea typeface="+mn-ea"/>
+                <a:cs typeface="+mn-cs"/>
+              </a:defRPr>
+            </a:lvl8pPr>
+            <a:lvl9pPr marL="3886200" indent="-228600" algn="l" defTabSz="457200" rtl="0" eaLnBrk="1" latinLnBrk="0" hangingPunct="1">
+              <a:spcBef>
+                <a:spcPct val="20000"/>
+              </a:spcBef>
+              <a:buFont typeface="Arial"/>
+              <a:buChar char="•"/>
+              <a:defRPr sz="2000" kern="1200">
+                <a:solidFill>
+                  <a:schemeClr val="tx1"/>
+                </a:solidFill>
+                <a:latin typeface="+mn-lt"/>
+                <a:ea typeface="+mn-ea"/>
+                <a:cs typeface="+mn-cs"/>
+              </a:defRPr>
+            </a:lvl9pPr>
+          </a:lstStyle>
+          <a:p>
             <a:r>
               <a:rPr kumimoji="1" lang="zh-CN" altLang="en-US" dirty="0" smtClean="0"/>
-              <a:t>动作监听，监听指定的动作，给出即时提醒。</a:t>
+              <a:t>动作监听</a:t>
+            </a:r>
+            <a:r>
+              <a:rPr kumimoji="1" lang="zh-CN" altLang="en-US" dirty="0"/>
+              <a:t>，监听指定的动作，给出即时提醒。</a:t>
+            </a:r>
+            <a:endParaRPr kumimoji="1" lang="en-US" altLang="zh-CN" dirty="0"/>
+          </a:p>
+          <a:p>
+            <a:r>
+              <a:rPr kumimoji="1" lang="zh-CN" altLang="en-US" dirty="0"/>
+              <a:t>动作记录，比如记录你的动作的动作，分析动作的质量</a:t>
             </a:r>
             <a:endParaRPr kumimoji="1" lang="en-US" altLang="zh-CN" dirty="0" smtClean="0"/>
           </a:p>
           <a:p>
-            <a:r>
-              <a:rPr kumimoji="1" lang="zh-CN" altLang="en-US" dirty="0" smtClean="0"/>
-              <a:t>动作记录，比如记录你的动作的动作，分析动作的质量。</a:t>
-            </a:r>
             <a:endParaRPr kumimoji="1" lang="en-US" altLang="zh-CN" dirty="0" smtClean="0"/>
           </a:p>
           <a:p>
@@ -3446,6 +3950,92 @@
   <p:clrMapOvr>
     <a:masterClrMapping/>
   </p:clrMapOvr>
+  <p:timing>
+    <p:tnLst>
+      <p:par>
+        <p:cTn xmlns:p14="http://schemas.microsoft.com/office/powerpoint/2010/main" id="1" dur="indefinite" restart="never" nodeType="tmRoot">
+          <p:childTnLst>
+            <p:seq concurrent="1" nextAc="seek">
+              <p:cTn id="2" dur="indefinite" nodeType="mainSeq">
+                <p:childTnLst>
+                  <p:par>
+                    <p:cTn id="3" fill="hold">
+                      <p:stCondLst>
+                        <p:cond delay="indefinite"/>
+                      </p:stCondLst>
+                      <p:childTnLst>
+                        <p:par>
+                          <p:cTn id="4" fill="hold">
+                            <p:stCondLst>
+                              <p:cond delay="0"/>
+                            </p:stCondLst>
+                            <p:childTnLst>
+                              <p:par>
+                                <p:cTn id="5" presetID="3" presetClass="entr" presetSubtype="10" fill="hold" grpId="0" nodeType="clickEffect">
+                                  <p:stCondLst>
+                                    <p:cond delay="0"/>
+                                  </p:stCondLst>
+                                  <p:childTnLst>
+                                    <p:set>
+                                      <p:cBhvr>
+                                        <p:cTn id="6" dur="1" fill="hold">
+                                          <p:stCondLst>
+                                            <p:cond delay="0"/>
+                                          </p:stCondLst>
+                                        </p:cTn>
+                                        <p:tgtEl>
+                                          <p:spTgt spid="7"/>
+                                        </p:tgtEl>
+                                        <p:attrNameLst>
+                                          <p:attrName>style.visibility</p:attrName>
+                                        </p:attrNameLst>
+                                      </p:cBhvr>
+                                      <p:to>
+                                        <p:strVal val="visible"/>
+                                      </p:to>
+                                    </p:set>
+                                    <p:animEffect transition="in" filter="blinds(horizontal)">
+                                      <p:cBhvr>
+                                        <p:cTn id="7" dur="500"/>
+                                        <p:tgtEl>
+                                          <p:spTgt spid="7"/>
+                                        </p:tgtEl>
+                                      </p:cBhvr>
+                                    </p:animEffect>
+                                  </p:childTnLst>
+                                </p:cTn>
+                              </p:par>
+                            </p:childTnLst>
+                          </p:cTn>
+                        </p:par>
+                      </p:childTnLst>
+                    </p:cTn>
+                  </p:par>
+                </p:childTnLst>
+              </p:cTn>
+              <p:prevCondLst>
+                <p:cond evt="onPrev" delay="0">
+                  <p:tgtEl>
+                    <p:sldTgt/>
+                  </p:tgtEl>
+                </p:cond>
+              </p:prevCondLst>
+              <p:nextCondLst>
+                <p:cond evt="onNext" delay="0">
+                  <p:tgtEl>
+                    <p:sldTgt/>
+                  </p:tgtEl>
+                </p:cond>
+              </p:nextCondLst>
+            </p:seq>
+          </p:childTnLst>
+        </p:cTn>
+      </p:par>
+    </p:tnLst>
+    <p:bldLst>
+      <p:bldP spid="7" grpId="0" animBg="1"/>
+    </p:bldLst>
+  </p:timing>
 </p:sld>
 </file>
 
@@ -3489,130 +4079,52 @@
               <a:rPr kumimoji="1" lang="en-US" altLang="zh-CN" dirty="0" err="1" smtClean="0"/>
               <a:t>Gi</a:t>
             </a:r>
-            <a:r>
-              <a:rPr kumimoji="1" lang="zh-CN" altLang="en-US" dirty="0" smtClean="0"/>
-              <a:t>的可靠</a:t>
-            </a:r>
-            <a:r>
-              <a:rPr kumimoji="1" lang="zh-CN" altLang="en-US" dirty="0" smtClean="0"/>
-              <a:t>性</a:t>
-            </a:r>
             <a:endParaRPr kumimoji="1" lang="zh-CN" altLang="en-US" dirty="0"/>
           </a:p>
         </p:txBody>
       </p:sp>
-      <p:sp>
-        <p:nvSpPr>
-          <p:cNvPr id="3" name="内容占位符 2"/>
-          <p:cNvSpPr>
-            <a:spLocks noGrp="1"/>
-          </p:cNvSpPr>
+      <p:pic>
+        <p:nvPicPr>
+          <p:cNvPr id="4" name="内容占位符 3" descr="project_photos-files-000-072-628-72628-large.jpg"/>
+          <p:cNvPicPr>
+            <a:picLocks noGrp="1" noChangeAspect="1"/>
+          </p:cNvPicPr>
           <p:nvPr>
             <p:ph idx="1"/>
           </p:nvPr>
-        </p:nvSpPr>
-        <p:spPr/>
-        <p:txBody>
-          <a:bodyPr/>
-          <a:lstStyle/>
-          <a:p>
-            <a:r>
-              <a:rPr kumimoji="1" lang="zh-CN" altLang="en-US" dirty="0" smtClean="0"/>
-              <a:t>数据精度：</a:t>
-            </a:r>
-            <a:endParaRPr kumimoji="1" lang="en-US" altLang="zh-CN" dirty="0" smtClean="0"/>
-          </a:p>
-          <a:p>
-            <a:r>
-              <a:rPr kumimoji="1" lang="zh-CN" altLang="en-US" dirty="0" smtClean="0"/>
-              <a:t>工作频率稳定：在设定距离内，信号的强弱不影响工作频率，无数据丢失。</a:t>
-            </a:r>
-            <a:endParaRPr kumimoji="1" lang="en-US" altLang="zh-CN" dirty="0" smtClean="0"/>
-          </a:p>
-          <a:p>
-            <a:r>
-              <a:rPr kumimoji="1" lang="zh-CN" altLang="en-US" dirty="0" smtClean="0"/>
-              <a:t>工作频率</a:t>
-            </a:r>
-            <a:r>
-              <a:rPr kumimoji="1" lang="zh-CN" altLang="en-US" dirty="0" smtClean="0"/>
-              <a:t>可设定：</a:t>
-            </a:r>
-            <a:r>
-              <a:rPr kumimoji="1" lang="en-US" altLang="zh-CN" dirty="0" smtClean="0"/>
-              <a:t>50Hz</a:t>
-            </a:r>
-            <a:r>
-              <a:rPr kumimoji="1" lang="zh-CN" altLang="en-US" dirty="0" smtClean="0"/>
-              <a:t>内可自己设定，选择合适的工作频率。</a:t>
-            </a:r>
-            <a:endParaRPr kumimoji="1" lang="en-US" altLang="zh-CN" dirty="0" smtClean="0"/>
-          </a:p>
-          <a:p>
-            <a:r>
-              <a:rPr kumimoji="1" lang="zh-CN" altLang="en-US" dirty="0" smtClean="0"/>
-              <a:t>连续</a:t>
-            </a:r>
-            <a:r>
-              <a:rPr kumimoji="1" lang="zh-CN" altLang="en-US" dirty="0" smtClean="0"/>
-              <a:t>工作时长：</a:t>
-            </a:r>
-            <a:r>
-              <a:rPr kumimoji="1" lang="en-US" altLang="zh-CN" dirty="0" smtClean="0"/>
-              <a:t>9</a:t>
-            </a:r>
-            <a:r>
-              <a:rPr kumimoji="1" lang="zh-CN" altLang="en-US" dirty="0" smtClean="0"/>
-              <a:t>小时</a:t>
-            </a:r>
-            <a:endParaRPr kumimoji="1" lang="en-US" altLang="zh-CN" dirty="0" smtClean="0"/>
-          </a:p>
-          <a:p>
-            <a:r>
-              <a:rPr kumimoji="1" lang="zh-CN" altLang="en-US" dirty="0" smtClean="0"/>
-              <a:t>待机时长，可充电：</a:t>
-            </a:r>
-            <a:r>
-              <a:rPr kumimoji="1" lang="en-US" altLang="zh-CN" dirty="0" smtClean="0">
-                <a:solidFill>
-                  <a:srgbClr val="FF0000"/>
-                </a:solidFill>
-              </a:rPr>
-              <a:t>1</a:t>
-            </a:r>
-            <a:r>
-              <a:rPr kumimoji="1" lang="zh-CN" altLang="en-US" dirty="0" smtClean="0">
-                <a:solidFill>
-                  <a:srgbClr val="FF0000"/>
-                </a:solidFill>
-              </a:rPr>
-              <a:t>个月？</a:t>
-            </a:r>
-            <a:endParaRPr kumimoji="1" lang="en-US" altLang="zh-CN" dirty="0" smtClean="0">
-              <a:solidFill>
-                <a:srgbClr val="FF0000"/>
-              </a:solidFill>
-            </a:endParaRPr>
-          </a:p>
-          <a:p>
-            <a:r>
-              <a:rPr kumimoji="1" lang="zh-CN" altLang="en-US" dirty="0" smtClean="0"/>
-              <a:t>指标灯提示不同状态</a:t>
-            </a:r>
-            <a:endParaRPr kumimoji="1" lang="zh-CN" altLang="en-US" dirty="0"/>
-          </a:p>
-        </p:txBody>
-      </p:sp>
+        </p:nvPicPr>
+        <p:blipFill>
+          <a:blip r:embed="rId2">
+            <a:extLst>
+              <a:ext uri="{28A0092B-C50C-407E-A947-70E740481C1C}">
+                <a14:useLocalDpi xmlns:a14="http://schemas.microsoft.com/office/drawing/2010/main" val="0"/>
+              </a:ext>
+            </a:extLst>
+          </a:blip>
+          <a:srcRect l="-8248" r="-8248"/>
+          <a:stretch>
+            <a:fillRect/>
+          </a:stretch>
+        </p:blipFill>
+        <p:spPr/>
+      </p:pic>
     </p:spTree>
     <p:extLst>
       <p:ext uri="{BB962C8B-B14F-4D97-AF65-F5344CB8AC3E}">
-        <p14:creationId xmlns:p14="http://schemas.microsoft.com/office/powerpoint/2010/main" val="2927685090"/>
+        <p14:creationId xmlns:p14="http://schemas.microsoft.com/office/powerpoint/2010/main" val="1580321562"/>
       </p:ext>
     </p:extLst>
   </p:cSld>
   <p:clrMapOvr>
     <a:masterClrMapping/>
   </p:clrMapOvr>
+  <p:timing>
+    <p:tnLst>
+      <p:par>
+        <p:cTn xmlns:p14="http://schemas.microsoft.com/office/powerpoint/2010/main" id="1" dur="indefinite" restart="never" nodeType="tmRoot"/>
+      </p:par>
+    </p:tnLst>
+  </p:timing>
 </p:sld>
 </file>
 
@@ -3649,45 +4161,8 @@
           <a:lstStyle/>
           <a:p>
             <a:r>
-              <a:rPr kumimoji="1" lang="en-US" altLang="zh-CN" dirty="0" smtClean="0"/>
-              <a:t>Cool Gym</a:t>
-            </a:r>
-            <a:r>
-              <a:rPr kumimoji="1" lang="en-US" altLang="zh-CN" dirty="0"/>
-              <a:t> </a:t>
-            </a:r>
-            <a:r>
-              <a:rPr kumimoji="1" lang="en-US" altLang="zh-CN" dirty="0" smtClean="0"/>
-              <a:t>SDK</a:t>
-            </a:r>
-            <a:r>
               <a:rPr kumimoji="1" lang="zh-CN" altLang="en-US" dirty="0" smtClean="0"/>
-              <a:t>能做什么？</a:t>
-            </a:r>
-            <a:endParaRPr kumimoji="1" lang="zh-CN" altLang="en-US" dirty="0"/>
-          </a:p>
-        </p:txBody>
-      </p:sp>
-      <p:sp>
-        <p:nvSpPr>
-          <p:cNvPr id="3" name="内容占位符 2"/>
-          <p:cNvSpPr>
-            <a:spLocks noGrp="1"/>
-          </p:cNvSpPr>
-          <p:nvPr>
-            <p:ph idx="1"/>
-          </p:nvPr>
-        </p:nvSpPr>
-        <p:spPr/>
-        <p:txBody>
-          <a:bodyPr>
-            <a:normAutofit lnSpcReduction="10000"/>
-          </a:bodyPr>
-          <a:lstStyle/>
-          <a:p>
-            <a:r>
-              <a:rPr kumimoji="1" lang="zh-CN" altLang="en-US" dirty="0" smtClean="0"/>
-              <a:t>设置小</a:t>
+              <a:t>小</a:t>
             </a:r>
             <a:r>
               <a:rPr kumimoji="1" lang="en-US" altLang="zh-CN" dirty="0" err="1" smtClean="0"/>
@@ -3695,104 +4170,195 @@
             </a:r>
             <a:r>
               <a:rPr kumimoji="1" lang="zh-CN" altLang="en-US" dirty="0" smtClean="0"/>
-              <a:t>的工作频率。</a:t>
+              <a:t>的可靠性</a:t>
+            </a:r>
+            <a:endParaRPr kumimoji="1" lang="zh-CN" altLang="en-US" dirty="0"/>
+          </a:p>
+        </p:txBody>
+      </p:sp>
+      <p:sp>
+        <p:nvSpPr>
+          <p:cNvPr id="3" name="内容占位符 2"/>
+          <p:cNvSpPr>
+            <a:spLocks noGrp="1"/>
+          </p:cNvSpPr>
+          <p:nvPr>
+            <p:ph idx="1"/>
+          </p:nvPr>
+        </p:nvSpPr>
+        <p:spPr/>
+        <p:txBody>
+          <a:bodyPr>
+            <a:normAutofit fontScale="92500" lnSpcReduction="20000"/>
+          </a:bodyPr>
+          <a:lstStyle/>
+          <a:p>
+            <a:r>
+              <a:rPr kumimoji="1" lang="zh-CN" altLang="en-US" dirty="0" smtClean="0">
+                <a:solidFill>
+                  <a:srgbClr val="FF0000"/>
+                </a:solidFill>
+              </a:rPr>
+              <a:t>加速度精度：</a:t>
+            </a:r>
+            <a:r>
+              <a:rPr kumimoji="1" lang="en-US" altLang="zh-CN" dirty="0" smtClean="0">
+                <a:solidFill>
+                  <a:srgbClr val="FF0000"/>
+                </a:solidFill>
+              </a:rPr>
+              <a:t>0.01g</a:t>
+            </a:r>
+            <a:endParaRPr kumimoji="1" lang="en-US" altLang="zh-CN" dirty="0">
+              <a:solidFill>
+                <a:srgbClr val="FF0000"/>
+              </a:solidFill>
+            </a:endParaRPr>
+          </a:p>
+          <a:p>
+            <a:r>
+              <a:rPr kumimoji="1" lang="zh-CN" altLang="en-US" dirty="0" smtClean="0">
+                <a:solidFill>
+                  <a:srgbClr val="FF0000"/>
+                </a:solidFill>
+              </a:rPr>
+              <a:t>角速度精度：</a:t>
+            </a:r>
+            <a:r>
+              <a:rPr kumimoji="1" lang="en-US" altLang="zh-CN" dirty="0" smtClean="0">
+                <a:solidFill>
+                  <a:srgbClr val="FF0000"/>
+                </a:solidFill>
+              </a:rPr>
+              <a:t>1</a:t>
+            </a:r>
+            <a:r>
+              <a:rPr kumimoji="1" lang="zh-CN" altLang="en-US" dirty="0" smtClean="0">
+                <a:solidFill>
+                  <a:srgbClr val="FF0000"/>
+                </a:solidFill>
+              </a:rPr>
+              <a:t>度</a:t>
+            </a:r>
+            <a:endParaRPr kumimoji="1" lang="en-US" altLang="zh-CN" dirty="0" smtClean="0">
+              <a:solidFill>
+                <a:srgbClr val="FF0000"/>
+              </a:solidFill>
+            </a:endParaRPr>
+          </a:p>
+          <a:p>
+            <a:r>
+              <a:rPr kumimoji="1" lang="zh-CN" altLang="en-US" dirty="0" smtClean="0">
+                <a:solidFill>
+                  <a:srgbClr val="FF0000"/>
+                </a:solidFill>
+              </a:rPr>
+              <a:t>磁力仪精度：</a:t>
+            </a:r>
+            <a:r>
+              <a:rPr kumimoji="1" lang="en-US" altLang="zh-CN" dirty="0" smtClean="0">
+                <a:solidFill>
+                  <a:srgbClr val="FF0000"/>
+                </a:solidFill>
+              </a:rPr>
+              <a:t>1uT</a:t>
+            </a:r>
+            <a:endParaRPr kumimoji="1" lang="en-US" altLang="zh-CN" dirty="0" smtClean="0">
+              <a:solidFill>
+                <a:srgbClr val="FF0000"/>
+              </a:solidFill>
+            </a:endParaRPr>
+          </a:p>
+          <a:p>
+            <a:r>
+              <a:rPr kumimoji="1" lang="zh-CN" altLang="en-US" dirty="0" smtClean="0"/>
+              <a:t>工作频率稳定：在设定距离内，信号的强弱不影响工作频率，无数据丢失。</a:t>
             </a:r>
             <a:endParaRPr kumimoji="1" lang="en-US" altLang="zh-CN" dirty="0" smtClean="0"/>
           </a:p>
           <a:p>
             <a:r>
               <a:rPr kumimoji="1" lang="zh-CN" altLang="en-US" dirty="0" smtClean="0"/>
-              <a:t>设置小</a:t>
-            </a:r>
-            <a:r>
-              <a:rPr kumimoji="1" lang="en-US" altLang="zh-CN" dirty="0" err="1" smtClean="0"/>
-              <a:t>Gi</a:t>
+              <a:t>工作频率可设定：</a:t>
+            </a:r>
+            <a:r>
+              <a:rPr kumimoji="1" lang="en-US" altLang="zh-CN" dirty="0" smtClean="0"/>
+              <a:t>50Hz</a:t>
             </a:r>
             <a:r>
               <a:rPr kumimoji="1" lang="zh-CN" altLang="en-US" dirty="0" smtClean="0"/>
-              <a:t>的天线发功率。</a:t>
+              <a:t>内可自己设定，选择合适的工作频率。</a:t>
             </a:r>
             <a:endParaRPr kumimoji="1" lang="en-US" altLang="zh-CN" dirty="0" smtClean="0"/>
           </a:p>
           <a:p>
             <a:r>
               <a:rPr kumimoji="1" lang="zh-CN" altLang="en-US" dirty="0" smtClean="0"/>
-              <a:t>获取小</a:t>
-            </a:r>
-            <a:r>
-              <a:rPr kumimoji="1" lang="en-US" altLang="zh-CN" dirty="0" err="1" smtClean="0"/>
-              <a:t>Gi</a:t>
+              <a:t>连续工作时长：</a:t>
+            </a:r>
+            <a:r>
+              <a:rPr kumimoji="1" lang="en-US" altLang="zh-CN" dirty="0" smtClean="0"/>
+              <a:t>9</a:t>
             </a:r>
             <a:r>
               <a:rPr kumimoji="1" lang="zh-CN" altLang="en-US" dirty="0" smtClean="0"/>
-              <a:t>的传感器数据（加速度计</a:t>
-            </a:r>
-            <a:r>
-              <a:rPr kumimoji="1" lang="zh-CN" altLang="en-US" dirty="0"/>
-              <a:t>、</a:t>
-            </a:r>
+              <a:t>小时</a:t>
+            </a:r>
+            <a:endParaRPr kumimoji="1" lang="en-US" altLang="zh-CN" dirty="0" smtClean="0"/>
+          </a:p>
+          <a:p>
             <a:r>
               <a:rPr kumimoji="1" lang="zh-CN" altLang="en-US" dirty="0" smtClean="0"/>
-              <a:t>陀螺仪、磁力计）。</a:t>
-            </a:r>
-            <a:endParaRPr kumimoji="1" lang="en-US" altLang="zh-CN" dirty="0" smtClean="0"/>
+              <a:t>待机时长，可充电：</a:t>
+            </a:r>
+            <a:r>
+              <a:rPr kumimoji="1" lang="en-US" altLang="zh-CN" dirty="0" smtClean="0">
+                <a:solidFill>
+                  <a:srgbClr val="FF0000"/>
+                </a:solidFill>
+              </a:rPr>
+              <a:t>1</a:t>
+            </a:r>
+            <a:r>
+              <a:rPr kumimoji="1" lang="zh-CN" altLang="en-US" dirty="0" smtClean="0">
+                <a:solidFill>
+                  <a:srgbClr val="FF0000"/>
+                </a:solidFill>
+              </a:rPr>
+              <a:t>个月？</a:t>
+            </a:r>
+            <a:endParaRPr kumimoji="1" lang="en-US" altLang="zh-CN" dirty="0" smtClean="0">
+              <a:solidFill>
+                <a:srgbClr val="FF0000"/>
+              </a:solidFill>
+            </a:endParaRPr>
           </a:p>
           <a:p>
             <a:r>
               <a:rPr kumimoji="1" lang="zh-CN" altLang="en-US" dirty="0" smtClean="0"/>
-              <a:t>获取小</a:t>
-            </a:r>
-            <a:r>
-              <a:rPr kumimoji="1" lang="en-US" altLang="zh-CN" dirty="0" err="1" smtClean="0"/>
-              <a:t>Gi</a:t>
-            </a:r>
-            <a:r>
-              <a:rPr kumimoji="1" lang="zh-CN" altLang="en-US" dirty="0" smtClean="0"/>
-              <a:t>的电压。</a:t>
-            </a:r>
-            <a:endParaRPr kumimoji="1" lang="en-US" altLang="zh-CN" dirty="0" smtClean="0"/>
-          </a:p>
-          <a:p>
-            <a:r>
-              <a:rPr kumimoji="1" lang="zh-CN" altLang="en-US" dirty="0" smtClean="0"/>
-              <a:t>获取小</a:t>
-            </a:r>
-            <a:r>
-              <a:rPr kumimoji="1" lang="en-US" altLang="zh-CN" dirty="0" err="1" smtClean="0"/>
-              <a:t>Gi</a:t>
-            </a:r>
-            <a:r>
-              <a:rPr kumimoji="1" lang="zh-CN" altLang="en-US" dirty="0" smtClean="0"/>
-              <a:t>的版本号。</a:t>
-            </a:r>
-            <a:endParaRPr kumimoji="1" lang="en-US" altLang="zh-CN" dirty="0" smtClean="0"/>
-          </a:p>
-          <a:p>
-            <a:r>
-              <a:rPr kumimoji="1" lang="zh-CN" altLang="en-US" dirty="0" smtClean="0"/>
-              <a:t>校准磁力计的数据。</a:t>
-            </a:r>
-            <a:endParaRPr kumimoji="1" lang="en-US" altLang="zh-CN" dirty="0" smtClean="0"/>
-          </a:p>
-          <a:p>
-            <a:r>
-              <a:rPr kumimoji="1" lang="zh-CN" altLang="en-US" dirty="0" smtClean="0"/>
-              <a:t>连接、暂停、开始。</a:t>
-            </a:r>
-            <a:endParaRPr kumimoji="1" lang="en-US" altLang="zh-CN" dirty="0" smtClean="0"/>
+              <a:t>指标灯提示不同状态</a:t>
+            </a:r>
+            <a:endParaRPr kumimoji="1" lang="zh-CN" altLang="en-US" dirty="0"/>
           </a:p>
         </p:txBody>
       </p:sp>
     </p:spTree>
     <p:extLst>
       <p:ext uri="{BB962C8B-B14F-4D97-AF65-F5344CB8AC3E}">
-        <p14:creationId xmlns:p14="http://schemas.microsoft.com/office/powerpoint/2010/main" val="3764704705"/>
+        <p14:creationId xmlns:p14="http://schemas.microsoft.com/office/powerpoint/2010/main" val="2927685090"/>
       </p:ext>
     </p:extLst>
   </p:cSld>
   <p:clrMapOvr>
     <a:masterClrMapping/>
   </p:clrMapOvr>
+  <p:timing>
+    <p:tnLst>
+      <p:par>
+        <p:cTn xmlns:p14="http://schemas.microsoft.com/office/powerpoint/2010/main" id="1" dur="indefinite" restart="never" nodeType="tmRoot"/>
+      </p:par>
+    </p:tnLst>
+  </p:timing>
 </p:sld>
 </file>
 
@@ -3829,8 +4395,20 @@
           <a:lstStyle/>
           <a:p>
             <a:r>
+              <a:rPr kumimoji="1" lang="en-US" altLang="zh-CN" dirty="0" smtClean="0"/>
+              <a:t>Cool Gym</a:t>
+            </a:r>
+            <a:r>
+              <a:rPr kumimoji="1" lang="en-US" altLang="zh-CN" dirty="0"/>
+              <a:t> </a:t>
+            </a:r>
+            <a:r>
+              <a:rPr kumimoji="1" lang="en-US" altLang="zh-CN" dirty="0" smtClean="0"/>
+              <a:t>SDK</a:t>
+            </a:r>
+            <a:r>
               <a:rPr kumimoji="1" lang="zh-CN" altLang="en-US" dirty="0" smtClean="0"/>
-              <a:t>功能扩展</a:t>
+              <a:t>能做什么？</a:t>
             </a:r>
             <a:endParaRPr kumimoji="1" lang="zh-CN" altLang="en-US" dirty="0"/>
           </a:p>
@@ -3848,23 +4426,138 @@
         </p:nvSpPr>
         <p:spPr/>
         <p:txBody>
-          <a:bodyPr/>
-          <a:lstStyle/>
-          <a:p>
-            <a:endParaRPr kumimoji="1" lang="zh-CN" altLang="en-US" dirty="0"/>
+          <a:bodyPr>
+            <a:normAutofit lnSpcReduction="10000"/>
+          </a:bodyPr>
+          <a:lstStyle/>
+          <a:p>
+            <a:r>
+              <a:rPr kumimoji="1" lang="zh-CN" altLang="en-US" dirty="0" smtClean="0"/>
+              <a:t>连接</a:t>
+            </a:r>
+            <a:r>
+              <a:rPr kumimoji="1" lang="zh-CN" altLang="zh-CN" dirty="0" smtClean="0"/>
+              <a:t>、</a:t>
+            </a:r>
+            <a:r>
+              <a:rPr kumimoji="1" lang="zh-CN" altLang="en-US" dirty="0" smtClean="0"/>
+              <a:t>断开、暂停、开始。</a:t>
+            </a:r>
+            <a:endParaRPr kumimoji="1" lang="en-US" altLang="zh-CN" dirty="0" smtClean="0"/>
+          </a:p>
+          <a:p>
+            <a:r>
+              <a:rPr kumimoji="1" lang="zh-CN" altLang="en-US" dirty="0" smtClean="0"/>
+              <a:t>获取小</a:t>
+            </a:r>
+            <a:r>
+              <a:rPr kumimoji="1" lang="en-US" altLang="zh-CN" dirty="0" err="1" smtClean="0"/>
+              <a:t>Gi</a:t>
+            </a:r>
+            <a:r>
+              <a:rPr kumimoji="1" lang="zh-CN" altLang="en-US" dirty="0" smtClean="0"/>
+              <a:t>的传感器数据（加速度计、陀螺仪、磁力计）。</a:t>
+            </a:r>
+            <a:endParaRPr kumimoji="1" lang="en-US" altLang="zh-CN" dirty="0" smtClean="0"/>
+          </a:p>
+          <a:p>
+            <a:r>
+              <a:rPr kumimoji="1" lang="zh-CN" altLang="en-US" dirty="0" smtClean="0"/>
+              <a:t>设置</a:t>
+            </a:r>
+            <a:r>
+              <a:rPr kumimoji="1" lang="zh-CN" altLang="en-US" dirty="0" smtClean="0"/>
+              <a:t>小</a:t>
+            </a:r>
+            <a:r>
+              <a:rPr kumimoji="1" lang="en-US" altLang="zh-CN" dirty="0" err="1" smtClean="0"/>
+              <a:t>Gi</a:t>
+            </a:r>
+            <a:r>
+              <a:rPr kumimoji="1" lang="zh-CN" altLang="en-US" dirty="0" smtClean="0"/>
+              <a:t>的工作频率。</a:t>
+            </a:r>
+            <a:endParaRPr kumimoji="1" lang="en-US" altLang="zh-CN" dirty="0" smtClean="0"/>
+          </a:p>
+          <a:p>
+            <a:r>
+              <a:rPr kumimoji="1" lang="zh-CN" altLang="en-US" dirty="0" smtClean="0"/>
+              <a:t>设置小</a:t>
+            </a:r>
+            <a:r>
+              <a:rPr kumimoji="1" lang="en-US" altLang="zh-CN" dirty="0" err="1" smtClean="0"/>
+              <a:t>Gi</a:t>
+            </a:r>
+            <a:r>
+              <a:rPr kumimoji="1" lang="zh-CN" altLang="en-US" dirty="0" smtClean="0"/>
+              <a:t>的天线发功率。</a:t>
+            </a:r>
+            <a:endParaRPr kumimoji="1" lang="en-US" altLang="zh-CN" dirty="0" smtClean="0"/>
+          </a:p>
+          <a:p>
+            <a:r>
+              <a:rPr kumimoji="1" lang="zh-CN" altLang="en-US" dirty="0" smtClean="0"/>
+              <a:t>获</a:t>
+            </a:r>
+            <a:r>
+              <a:rPr kumimoji="1" lang="zh-CN" altLang="en-US" dirty="0" smtClean="0"/>
+              <a:t>取小</a:t>
+            </a:r>
+            <a:r>
+              <a:rPr kumimoji="1" lang="en-US" altLang="zh-CN" dirty="0" err="1" smtClean="0"/>
+              <a:t>Gi</a:t>
+            </a:r>
+            <a:r>
+              <a:rPr kumimoji="1" lang="zh-CN" altLang="en-US" dirty="0" smtClean="0"/>
+              <a:t>的电压。</a:t>
+            </a:r>
+            <a:endParaRPr kumimoji="1" lang="en-US" altLang="zh-CN" dirty="0" smtClean="0"/>
+          </a:p>
+          <a:p>
+            <a:r>
+              <a:rPr kumimoji="1" lang="zh-CN" altLang="en-US" dirty="0" smtClean="0"/>
+              <a:t>获取小</a:t>
+            </a:r>
+            <a:r>
+              <a:rPr kumimoji="1" lang="en-US" altLang="zh-CN" dirty="0" err="1" smtClean="0"/>
+              <a:t>Gi</a:t>
+            </a:r>
+            <a:r>
+              <a:rPr kumimoji="1" lang="zh-CN" altLang="en-US" dirty="0" smtClean="0"/>
+              <a:t>的版本号。</a:t>
+            </a:r>
+            <a:endParaRPr kumimoji="1" lang="en-US" altLang="zh-CN" dirty="0" smtClean="0"/>
+          </a:p>
+          <a:p>
+            <a:r>
+              <a:rPr kumimoji="1" lang="zh-CN" altLang="en-US" dirty="0" smtClean="0"/>
+              <a:t>校准磁力计的数据</a:t>
+            </a:r>
+            <a:r>
+              <a:rPr kumimoji="1" lang="zh-CN" altLang="en-US" dirty="0" smtClean="0"/>
+              <a:t>。</a:t>
+            </a:r>
+            <a:endParaRPr kumimoji="1" lang="en-US" altLang="zh-CN" dirty="0" smtClean="0"/>
           </a:p>
         </p:txBody>
       </p:sp>
     </p:spTree>
     <p:extLst>
       <p:ext uri="{BB962C8B-B14F-4D97-AF65-F5344CB8AC3E}">
-        <p14:creationId xmlns:p14="http://schemas.microsoft.com/office/powerpoint/2010/main" val="4066952165"/>
+        <p14:creationId xmlns:p14="http://schemas.microsoft.com/office/powerpoint/2010/main" val="3764704705"/>
       </p:ext>
     </p:extLst>
   </p:cSld>
   <p:clrMapOvr>
     <a:masterClrMapping/>
   </p:clrMapOvr>
+  <p:timing>
+    <p:tnLst>
+      <p:par>
+        <p:cTn xmlns:p14="http://schemas.microsoft.com/office/powerpoint/2010/main" id="1" dur="indefinite" restart="never" nodeType="tmRoot"/>
+      </p:par>
+    </p:tnLst>
+  </p:timing>
 </p:sld>
 </file>
 

--- a/CoolGymPPT.pptx
+++ b/CoolGymPPT.pptx
@@ -3732,15 +3732,7 @@
           <a:p>
             <a:r>
               <a:rPr kumimoji="1" lang="zh-CN" altLang="en-US" dirty="0" smtClean="0"/>
-              <a:t>可适配能过</a:t>
-            </a:r>
-            <a:r>
-              <a:rPr kumimoji="1" lang="zh-CN" altLang="en-US" dirty="0" smtClean="0"/>
-              <a:t>上下左右控制的游戏，</a:t>
-            </a:r>
-            <a:r>
-              <a:rPr kumimoji="1" lang="zh-CN" altLang="en-US" dirty="0" smtClean="0"/>
-              <a:t>让游戏变成体感游戏</a:t>
+              <a:t>可适配能过上下左右控制的游戏，让游戏变成体感游戏</a:t>
             </a:r>
             <a:r>
               <a:rPr kumimoji="1" lang="zh-CN" altLang="zh-CN" dirty="0" smtClean="0"/>
@@ -4161,18 +4153,42 @@
           <a:lstStyle/>
           <a:p>
             <a:r>
-              <a:rPr kumimoji="1" lang="zh-CN" altLang="en-US" dirty="0" smtClean="0"/>
+              <a:rPr kumimoji="1" lang="zh-CN" altLang="en-US" dirty="0" smtClean="0">
+                <a:solidFill>
+                  <a:srgbClr val="FF0000"/>
+                </a:solidFill>
+              </a:rPr>
               <a:t>小</a:t>
             </a:r>
             <a:r>
-              <a:rPr kumimoji="1" lang="en-US" altLang="zh-CN" dirty="0" err="1" smtClean="0"/>
+              <a:rPr kumimoji="1" lang="en-US" altLang="zh-CN" dirty="0" err="1" smtClean="0">
+                <a:solidFill>
+                  <a:srgbClr val="FF0000"/>
+                </a:solidFill>
+              </a:rPr>
               <a:t>Gi</a:t>
             </a:r>
             <a:r>
-              <a:rPr kumimoji="1" lang="zh-CN" altLang="en-US" dirty="0" smtClean="0"/>
-              <a:t>的可靠性</a:t>
-            </a:r>
-            <a:endParaRPr kumimoji="1" lang="zh-CN" altLang="en-US" dirty="0"/>
+              <a:rPr kumimoji="1" lang="zh-CN" altLang="en-US" dirty="0" smtClean="0">
+                <a:solidFill>
+                  <a:srgbClr val="FF0000"/>
+                </a:solidFill>
+              </a:rPr>
+              <a:t>的性</a:t>
+            </a:r>
+            <a:r>
+              <a:rPr kumimoji="1" lang="zh-CN" altLang="en-US" dirty="0" smtClean="0">
+                <a:solidFill>
+                  <a:srgbClr val="FF0000"/>
+                </a:solidFill>
+              </a:rPr>
+              <a:t>能</a:t>
+            </a:r>
+            <a:endParaRPr kumimoji="1" lang="zh-CN" altLang="en-US" dirty="0">
+              <a:solidFill>
+                <a:srgbClr val="FF0000"/>
+              </a:solidFill>
+            </a:endParaRPr>
           </a:p>
         </p:txBody>
       </p:sp>
@@ -4263,6 +4279,16 @@
               </a:rPr>
               <a:t>1uT</a:t>
             </a:r>
+          </a:p>
+          <a:p>
+            <a:r>
+              <a:rPr kumimoji="1" lang="zh-CN" altLang="en-US" dirty="0" smtClean="0">
+                <a:solidFill>
+                  <a:srgbClr val="FF0000"/>
+                </a:solidFill>
+              </a:rPr>
+              <a:t>工作频率稳定：在设定距离内，信号的强弱不影响工作频率，无数据丢失。</a:t>
+            </a:r>
             <a:endParaRPr kumimoji="1" lang="en-US" altLang="zh-CN" dirty="0" smtClean="0">
               <a:solidFill>
                 <a:srgbClr val="FF0000"/>
@@ -4271,61 +4297,28 @@
           </a:p>
           <a:p>
             <a:r>
-              <a:rPr kumimoji="1" lang="zh-CN" altLang="en-US" dirty="0" smtClean="0"/>
-              <a:t>工作频率稳定：在设定距离内，信号的强弱不影响工作频率，无数据丢失。</a:t>
-            </a:r>
-            <a:endParaRPr kumimoji="1" lang="en-US" altLang="zh-CN" dirty="0" smtClean="0"/>
-          </a:p>
-          <a:p>
-            <a:r>
-              <a:rPr kumimoji="1" lang="zh-CN" altLang="en-US" dirty="0" smtClean="0"/>
+              <a:rPr kumimoji="1" lang="zh-CN" altLang="en-US" dirty="0" smtClean="0">
+                <a:solidFill>
+                  <a:srgbClr val="FF0000"/>
+                </a:solidFill>
+              </a:rPr>
               <a:t>工作频率可设定：</a:t>
             </a:r>
             <a:r>
-              <a:rPr kumimoji="1" lang="en-US" altLang="zh-CN" dirty="0" smtClean="0"/>
+              <a:rPr kumimoji="1" lang="en-US" altLang="zh-CN" dirty="0" smtClean="0">
+                <a:solidFill>
+                  <a:srgbClr val="FF0000"/>
+                </a:solidFill>
+              </a:rPr>
               <a:t>50Hz</a:t>
             </a:r>
             <a:r>
-              <a:rPr kumimoji="1" lang="zh-CN" altLang="en-US" dirty="0" smtClean="0"/>
+              <a:rPr kumimoji="1" lang="zh-CN" altLang="en-US" dirty="0" smtClean="0">
+                <a:solidFill>
+                  <a:srgbClr val="FF0000"/>
+                </a:solidFill>
+              </a:rPr>
               <a:t>内可自己设定，选择合适的工作频率。</a:t>
-            </a:r>
-            <a:endParaRPr kumimoji="1" lang="en-US" altLang="zh-CN" dirty="0" smtClean="0"/>
-          </a:p>
-          <a:p>
-            <a:r>
-              <a:rPr kumimoji="1" lang="zh-CN" altLang="en-US" dirty="0" smtClean="0"/>
-              <a:t>连续工作时长：</a:t>
-            </a:r>
-            <a:r>
-              <a:rPr kumimoji="1" lang="en-US" altLang="zh-CN" dirty="0" smtClean="0"/>
-              <a:t>9</a:t>
-            </a:r>
-            <a:r>
-              <a:rPr kumimoji="1" lang="zh-CN" altLang="en-US" dirty="0" smtClean="0"/>
-              <a:t>小时</a:t>
-            </a:r>
-            <a:endParaRPr kumimoji="1" lang="en-US" altLang="zh-CN" dirty="0" smtClean="0"/>
-          </a:p>
-          <a:p>
-            <a:r>
-              <a:rPr kumimoji="1" lang="zh-CN" altLang="en-US" dirty="0" smtClean="0"/>
-              <a:t>待机时长，可充电：</a:t>
-            </a:r>
-            <a:r>
-              <a:rPr kumimoji="1" lang="en-US" altLang="zh-CN" dirty="0" smtClean="0">
-                <a:solidFill>
-                  <a:srgbClr val="FF0000"/>
-                </a:solidFill>
-              </a:rPr>
-              <a:t>1</a:t>
-            </a:r>
-            <a:r>
-              <a:rPr kumimoji="1" lang="zh-CN" altLang="en-US" dirty="0" smtClean="0">
-                <a:solidFill>
-                  <a:srgbClr val="FF0000"/>
-                </a:solidFill>
-              </a:rPr>
-              <a:t>个月？</a:t>
             </a:r>
             <a:endParaRPr kumimoji="1" lang="en-US" altLang="zh-CN" dirty="0" smtClean="0">
               <a:solidFill>
@@ -4335,10 +4328,80 @@
           </a:p>
           <a:p>
             <a:r>
-              <a:rPr kumimoji="1" lang="zh-CN" altLang="en-US" dirty="0" smtClean="0"/>
+              <a:rPr kumimoji="1" lang="zh-CN" altLang="en-US" dirty="0" smtClean="0">
+                <a:solidFill>
+                  <a:srgbClr val="FF0000"/>
+                </a:solidFill>
+              </a:rPr>
+              <a:t>连续工作时长：</a:t>
+            </a:r>
+            <a:r>
+              <a:rPr kumimoji="1" lang="en-US" altLang="zh-CN" dirty="0" smtClean="0">
+                <a:solidFill>
+                  <a:srgbClr val="FF0000"/>
+                </a:solidFill>
+              </a:rPr>
+              <a:t>9</a:t>
+            </a:r>
+            <a:r>
+              <a:rPr kumimoji="1" lang="zh-CN" altLang="en-US" dirty="0" smtClean="0">
+                <a:solidFill>
+                  <a:srgbClr val="FF0000"/>
+                </a:solidFill>
+              </a:rPr>
+              <a:t>小时</a:t>
+            </a:r>
+            <a:endParaRPr kumimoji="1" lang="en-US" altLang="zh-CN" dirty="0" smtClean="0">
+              <a:solidFill>
+                <a:srgbClr val="FF0000"/>
+              </a:solidFill>
+            </a:endParaRPr>
+          </a:p>
+          <a:p>
+            <a:r>
+              <a:rPr kumimoji="1" lang="zh-CN" altLang="en-US" dirty="0" smtClean="0">
+                <a:solidFill>
+                  <a:srgbClr val="FF0000"/>
+                </a:solidFill>
+              </a:rPr>
+              <a:t>待机时长，可充电：</a:t>
+            </a:r>
+            <a:r>
+              <a:rPr kumimoji="1" lang="en-US" altLang="zh-CN" dirty="0" smtClean="0">
+                <a:solidFill>
+                  <a:srgbClr val="FF0000"/>
+                </a:solidFill>
+              </a:rPr>
+              <a:t>1</a:t>
+            </a:r>
+            <a:r>
+              <a:rPr kumimoji="1" lang="zh-CN" altLang="en-US" dirty="0" smtClean="0">
+                <a:solidFill>
+                  <a:srgbClr val="FF0000"/>
+                </a:solidFill>
+              </a:rPr>
+              <a:t>个月？</a:t>
+            </a:r>
+            <a:endParaRPr kumimoji="1" lang="en-US" altLang="zh-CN" dirty="0" smtClean="0">
+              <a:solidFill>
+                <a:srgbClr val="FF0000"/>
+              </a:solidFill>
+            </a:endParaRPr>
+          </a:p>
+          <a:p>
+            <a:r>
+              <a:rPr kumimoji="1" lang="zh-CN" altLang="en-US" dirty="0" smtClean="0">
+                <a:solidFill>
+                  <a:srgbClr val="FF0000"/>
+                </a:solidFill>
+              </a:rPr>
               <a:t>指标灯提示不同状态</a:t>
             </a:r>
-            <a:endParaRPr kumimoji="1" lang="zh-CN" altLang="en-US" dirty="0"/>
+            <a:endParaRPr kumimoji="1" lang="zh-CN" altLang="en-US" dirty="0">
+              <a:solidFill>
+                <a:srgbClr val="FF0000"/>
+              </a:solidFill>
+            </a:endParaRPr>
           </a:p>
         </p:txBody>
       </p:sp>
@@ -4463,11 +4526,7 @@
           <a:p>
             <a:r>
               <a:rPr kumimoji="1" lang="zh-CN" altLang="en-US" dirty="0" smtClean="0"/>
-              <a:t>设置</a:t>
-            </a:r>
-            <a:r>
-              <a:rPr kumimoji="1" lang="zh-CN" altLang="en-US" dirty="0" smtClean="0"/>
-              <a:t>小</a:t>
+              <a:t>设置小</a:t>
             </a:r>
             <a:r>
               <a:rPr kumimoji="1" lang="en-US" altLang="zh-CN" dirty="0" err="1" smtClean="0"/>
@@ -4497,11 +4556,7 @@
           <a:p>
             <a:r>
               <a:rPr kumimoji="1" lang="zh-CN" altLang="en-US" dirty="0" smtClean="0"/>
-              <a:t>获</a:t>
-            </a:r>
-            <a:r>
-              <a:rPr kumimoji="1" lang="zh-CN" altLang="en-US" dirty="0" smtClean="0"/>
-              <a:t>取小</a:t>
+              <a:t>获取小</a:t>
             </a:r>
             <a:r>
               <a:rPr kumimoji="1" lang="en-US" altLang="zh-CN" dirty="0" err="1" smtClean="0"/>
@@ -4531,11 +4586,7 @@
           <a:p>
             <a:r>
               <a:rPr kumimoji="1" lang="zh-CN" altLang="en-US" dirty="0" smtClean="0"/>
-              <a:t>校准磁力计的数据</a:t>
-            </a:r>
-            <a:r>
-              <a:rPr kumimoji="1" lang="zh-CN" altLang="en-US" dirty="0" smtClean="0"/>
-              <a:t>。</a:t>
+              <a:t>校准磁力计的数据。</a:t>
             </a:r>
             <a:endParaRPr kumimoji="1" lang="en-US" altLang="zh-CN" dirty="0" smtClean="0"/>
           </a:p>
